--- a/paper/figures/ambiguity.pptx
+++ b/paper/figures/ambiguity.pptx
@@ -104,6 +104,22 @@
       </a:defRPr>
     </a:lvl9pPr>
   </p:defaultTextStyle>
+  <p:extLst>
+    <p:ext uri="{EFAFB233-063F-42B5-8137-9DF3F51BA10A}">
+      <p15:sldGuideLst xmlns:p15="http://schemas.microsoft.com/office/powerpoint/2012/main">
+        <p15:guide id="1" orient="horz" pos="2160">
+          <p15:clr>
+            <a:srgbClr val="A4A3A4"/>
+          </p15:clr>
+        </p15:guide>
+        <p15:guide id="2" pos="2880">
+          <p15:clr>
+            <a:srgbClr val="A4A3A4"/>
+          </p15:clr>
+        </p15:guide>
+      </p15:sldGuideLst>
+    </p:ext>
+  </p:extLst>
 </p:presentation>
 </file>
 
@@ -288,7 +304,7 @@
           <a:p>
             <a:fld id="{561AD55D-7200-9B44-B684-7429D6922B29}" type="datetimeFigureOut">
               <a:rPr kumimoji="1" lang="zh-CN" altLang="en-US" smtClean="0"/>
-              <a:t>4/12/15</a:t>
+              <a:t>2015/4/13</a:t>
             </a:fld>
             <a:endParaRPr kumimoji="1" lang="zh-CN" altLang="en-US"/>
           </a:p>
@@ -458,7 +474,7 @@
           <a:p>
             <a:fld id="{561AD55D-7200-9B44-B684-7429D6922B29}" type="datetimeFigureOut">
               <a:rPr kumimoji="1" lang="zh-CN" altLang="en-US" smtClean="0"/>
-              <a:t>4/12/15</a:t>
+              <a:t>2015/4/13</a:t>
             </a:fld>
             <a:endParaRPr kumimoji="1" lang="zh-CN" altLang="en-US"/>
           </a:p>
@@ -638,7 +654,7 @@
           <a:p>
             <a:fld id="{561AD55D-7200-9B44-B684-7429D6922B29}" type="datetimeFigureOut">
               <a:rPr kumimoji="1" lang="zh-CN" altLang="en-US" smtClean="0"/>
-              <a:t>4/12/15</a:t>
+              <a:t>2015/4/13</a:t>
             </a:fld>
             <a:endParaRPr kumimoji="1" lang="zh-CN" altLang="en-US"/>
           </a:p>
@@ -808,7 +824,7 @@
           <a:p>
             <a:fld id="{561AD55D-7200-9B44-B684-7429D6922B29}" type="datetimeFigureOut">
               <a:rPr kumimoji="1" lang="zh-CN" altLang="en-US" smtClean="0"/>
-              <a:t>4/12/15</a:t>
+              <a:t>2015/4/13</a:t>
             </a:fld>
             <a:endParaRPr kumimoji="1" lang="zh-CN" altLang="en-US"/>
           </a:p>
@@ -1054,7 +1070,7 @@
           <a:p>
             <a:fld id="{561AD55D-7200-9B44-B684-7429D6922B29}" type="datetimeFigureOut">
               <a:rPr kumimoji="1" lang="zh-CN" altLang="en-US" smtClean="0"/>
-              <a:t>4/12/15</a:t>
+              <a:t>2015/4/13</a:t>
             </a:fld>
             <a:endParaRPr kumimoji="1" lang="zh-CN" altLang="en-US"/>
           </a:p>
@@ -1342,7 +1358,7 @@
           <a:p>
             <a:fld id="{561AD55D-7200-9B44-B684-7429D6922B29}" type="datetimeFigureOut">
               <a:rPr kumimoji="1" lang="zh-CN" altLang="en-US" smtClean="0"/>
-              <a:t>4/12/15</a:t>
+              <a:t>2015/4/13</a:t>
             </a:fld>
             <a:endParaRPr kumimoji="1" lang="zh-CN" altLang="en-US"/>
           </a:p>
@@ -1764,7 +1780,7 @@
           <a:p>
             <a:fld id="{561AD55D-7200-9B44-B684-7429D6922B29}" type="datetimeFigureOut">
               <a:rPr kumimoji="1" lang="zh-CN" altLang="en-US" smtClean="0"/>
-              <a:t>4/12/15</a:t>
+              <a:t>2015/4/13</a:t>
             </a:fld>
             <a:endParaRPr kumimoji="1" lang="zh-CN" altLang="en-US"/>
           </a:p>
@@ -1882,7 +1898,7 @@
           <a:p>
             <a:fld id="{561AD55D-7200-9B44-B684-7429D6922B29}" type="datetimeFigureOut">
               <a:rPr kumimoji="1" lang="zh-CN" altLang="en-US" smtClean="0"/>
-              <a:t>4/12/15</a:t>
+              <a:t>2015/4/13</a:t>
             </a:fld>
             <a:endParaRPr kumimoji="1" lang="zh-CN" altLang="en-US"/>
           </a:p>
@@ -1977,7 +1993,7 @@
           <a:p>
             <a:fld id="{561AD55D-7200-9B44-B684-7429D6922B29}" type="datetimeFigureOut">
               <a:rPr kumimoji="1" lang="zh-CN" altLang="en-US" smtClean="0"/>
-              <a:t>4/12/15</a:t>
+              <a:t>2015/4/13</a:t>
             </a:fld>
             <a:endParaRPr kumimoji="1" lang="zh-CN" altLang="en-US"/>
           </a:p>
@@ -2254,7 +2270,7 @@
           <a:p>
             <a:fld id="{561AD55D-7200-9B44-B684-7429D6922B29}" type="datetimeFigureOut">
               <a:rPr kumimoji="1" lang="zh-CN" altLang="en-US" smtClean="0"/>
-              <a:t>4/12/15</a:t>
+              <a:t>2015/4/13</a:t>
             </a:fld>
             <a:endParaRPr kumimoji="1" lang="zh-CN" altLang="en-US"/>
           </a:p>
@@ -2507,7 +2523,7 @@
           <a:p>
             <a:fld id="{561AD55D-7200-9B44-B684-7429D6922B29}" type="datetimeFigureOut">
               <a:rPr kumimoji="1" lang="zh-CN" altLang="en-US" smtClean="0"/>
-              <a:t>4/12/15</a:t>
+              <a:t>2015/4/13</a:t>
             </a:fld>
             <a:endParaRPr kumimoji="1" lang="zh-CN" altLang="en-US"/>
           </a:p>
@@ -2720,7 +2736,7 @@
           <a:p>
             <a:fld id="{561AD55D-7200-9B44-B684-7429D6922B29}" type="datetimeFigureOut">
               <a:rPr kumimoji="1" lang="zh-CN" altLang="en-US" smtClean="0"/>
-              <a:t>4/12/15</a:t>
+              <a:t>2015/4/13</a:t>
             </a:fld>
             <a:endParaRPr kumimoji="1" lang="zh-CN" altLang="en-US"/>
           </a:p>
@@ -3095,6 +3111,48 @@
           <a:chExt cx="0" cy="0"/>
         </a:xfrm>
       </p:grpSpPr>
+      <p:sp>
+        <p:nvSpPr>
+          <p:cNvPr id="53" name="矩形 52"/>
+          <p:cNvSpPr/>
+          <p:nvPr/>
+        </p:nvSpPr>
+        <p:spPr>
+          <a:xfrm>
+            <a:off x="3101928" y="3135540"/>
+            <a:ext cx="576600" cy="250722"/>
+          </a:xfrm>
+          <a:prstGeom prst="rect">
+            <a:avLst/>
+          </a:prstGeom>
+        </p:spPr>
+        <p:style>
+          <a:lnRef idx="1">
+            <a:schemeClr val="accent1"/>
+          </a:lnRef>
+          <a:fillRef idx="3">
+            <a:schemeClr val="accent1"/>
+          </a:fillRef>
+          <a:effectRef idx="2">
+            <a:schemeClr val="accent1"/>
+          </a:effectRef>
+          <a:fontRef idx="minor">
+            <a:schemeClr val="lt1"/>
+          </a:fontRef>
+        </p:style>
+        <p:txBody>
+          <a:bodyPr rtlCol="0" anchor="ctr"/>
+          <a:lstStyle/>
+          <a:p>
+            <a:pPr algn="ctr"/>
+            <a:r>
+              <a:rPr lang="en-US" dirty="0" smtClean="0"/>
+              <a:t>AVI</a:t>
+            </a:r>
+            <a:endParaRPr lang="en-US" dirty="0"/>
+          </a:p>
+        </p:txBody>
+      </p:sp>
       <p:cxnSp>
         <p:nvCxnSpPr>
           <p:cNvPr id="5" name="直线连接符 4"/>
@@ -3159,7 +3217,7 @@
           <a:lstStyle/>
           <a:p>
             <a:pPr algn="ctr"/>
-            <a:endParaRPr kumimoji="1" lang="zh-CN" altLang="en-US"/>
+            <a:endParaRPr kumimoji="1" lang="zh-CN" altLang="en-US" dirty="0"/>
           </a:p>
         </p:txBody>
       </p:sp>
@@ -3379,6 +3437,11 @@
           <a:prstGeom prst="line">
             <a:avLst/>
           </a:prstGeom>
+          <a:ln>
+            <a:solidFill>
+              <a:schemeClr val="tx1"/>
+            </a:solidFill>
+          </a:ln>
         </p:spPr>
         <p:style>
           <a:lnRef idx="2">
@@ -3428,6 +3491,2929 @@
           </a:fontRef>
         </p:style>
       </p:cxnSp>
+      <p:cxnSp>
+        <p:nvCxnSpPr>
+          <p:cNvPr id="12" name="直线箭头连接符 19"/>
+          <p:cNvCxnSpPr/>
+          <p:nvPr/>
+        </p:nvCxnSpPr>
+        <p:spPr>
+          <a:xfrm flipV="1">
+            <a:off x="2619273" y="1148722"/>
+            <a:ext cx="0" cy="501448"/>
+          </a:xfrm>
+          <a:prstGeom prst="straightConnector1">
+            <a:avLst/>
+          </a:prstGeom>
+          <a:ln>
+            <a:tailEnd type="arrow"/>
+          </a:ln>
+        </p:spPr>
+        <p:style>
+          <a:lnRef idx="2">
+            <a:schemeClr val="accent1"/>
+          </a:lnRef>
+          <a:fillRef idx="0">
+            <a:schemeClr val="accent1"/>
+          </a:fillRef>
+          <a:effectRef idx="1">
+            <a:schemeClr val="accent1"/>
+          </a:effectRef>
+          <a:fontRef idx="minor">
+            <a:schemeClr val="tx1"/>
+          </a:fontRef>
+        </p:style>
+      </p:cxnSp>
+      <p:cxnSp>
+        <p:nvCxnSpPr>
+          <p:cNvPr id="13" name="直线箭头连接符 19"/>
+          <p:cNvCxnSpPr/>
+          <p:nvPr/>
+        </p:nvCxnSpPr>
+        <p:spPr>
+          <a:xfrm flipV="1">
+            <a:off x="3090053" y="328838"/>
+            <a:ext cx="0" cy="501448"/>
+          </a:xfrm>
+          <a:prstGeom prst="straightConnector1">
+            <a:avLst/>
+          </a:prstGeom>
+          <a:ln>
+            <a:tailEnd type="arrow"/>
+          </a:ln>
+        </p:spPr>
+        <p:style>
+          <a:lnRef idx="2">
+            <a:schemeClr val="accent1"/>
+          </a:lnRef>
+          <a:fillRef idx="0">
+            <a:schemeClr val="accent1"/>
+          </a:fillRef>
+          <a:effectRef idx="1">
+            <a:schemeClr val="accent1"/>
+          </a:effectRef>
+          <a:fontRef idx="minor">
+            <a:schemeClr val="tx1"/>
+          </a:fontRef>
+        </p:style>
+      </p:cxnSp>
+      <p:cxnSp>
+        <p:nvCxnSpPr>
+          <p:cNvPr id="19" name="直线箭头连接符 19"/>
+          <p:cNvCxnSpPr/>
+          <p:nvPr/>
+        </p:nvCxnSpPr>
+        <p:spPr>
+          <a:xfrm flipV="1">
+            <a:off x="3678528" y="2092969"/>
+            <a:ext cx="0" cy="501448"/>
+          </a:xfrm>
+          <a:prstGeom prst="straightConnector1">
+            <a:avLst/>
+          </a:prstGeom>
+          <a:ln>
+            <a:tailEnd type="arrow"/>
+          </a:ln>
+        </p:spPr>
+        <p:style>
+          <a:lnRef idx="2">
+            <a:schemeClr val="accent1"/>
+          </a:lnRef>
+          <a:fillRef idx="0">
+            <a:schemeClr val="accent1"/>
+          </a:fillRef>
+          <a:effectRef idx="1">
+            <a:schemeClr val="accent1"/>
+          </a:effectRef>
+          <a:fontRef idx="minor">
+            <a:schemeClr val="tx1"/>
+          </a:fontRef>
+        </p:style>
+      </p:cxnSp>
+      <p:cxnSp>
+        <p:nvCxnSpPr>
+          <p:cNvPr id="21" name="直线箭头连接符 19"/>
+          <p:cNvCxnSpPr/>
+          <p:nvPr/>
+        </p:nvCxnSpPr>
+        <p:spPr>
+          <a:xfrm flipV="1">
+            <a:off x="4075372" y="1148722"/>
+            <a:ext cx="0" cy="501448"/>
+          </a:xfrm>
+          <a:prstGeom prst="straightConnector1">
+            <a:avLst/>
+          </a:prstGeom>
+          <a:ln>
+            <a:tailEnd type="arrow"/>
+          </a:ln>
+        </p:spPr>
+        <p:style>
+          <a:lnRef idx="2">
+            <a:schemeClr val="accent1"/>
+          </a:lnRef>
+          <a:fillRef idx="0">
+            <a:schemeClr val="accent1"/>
+          </a:fillRef>
+          <a:effectRef idx="1">
+            <a:schemeClr val="accent1"/>
+          </a:effectRef>
+          <a:fontRef idx="minor">
+            <a:schemeClr val="tx1"/>
+          </a:fontRef>
+        </p:style>
+      </p:cxnSp>
+      <p:cxnSp>
+        <p:nvCxnSpPr>
+          <p:cNvPr id="22" name="直线箭头连接符 19"/>
+          <p:cNvCxnSpPr/>
+          <p:nvPr/>
+        </p:nvCxnSpPr>
+        <p:spPr>
+          <a:xfrm flipV="1">
+            <a:off x="4546152" y="328838"/>
+            <a:ext cx="0" cy="501448"/>
+          </a:xfrm>
+          <a:prstGeom prst="straightConnector1">
+            <a:avLst/>
+          </a:prstGeom>
+          <a:ln>
+            <a:tailEnd type="arrow"/>
+          </a:ln>
+        </p:spPr>
+        <p:style>
+          <a:lnRef idx="2">
+            <a:schemeClr val="accent1"/>
+          </a:lnRef>
+          <a:fillRef idx="0">
+            <a:schemeClr val="accent1"/>
+          </a:fillRef>
+          <a:effectRef idx="1">
+            <a:schemeClr val="accent1"/>
+          </a:effectRef>
+          <a:fontRef idx="minor">
+            <a:schemeClr val="tx1"/>
+          </a:fontRef>
+        </p:style>
+      </p:cxnSp>
+      <p:cxnSp>
+        <p:nvCxnSpPr>
+          <p:cNvPr id="23" name="直线箭头连接符 19"/>
+          <p:cNvCxnSpPr/>
+          <p:nvPr/>
+        </p:nvCxnSpPr>
+        <p:spPr>
+          <a:xfrm flipV="1">
+            <a:off x="5099920" y="2092969"/>
+            <a:ext cx="0" cy="501448"/>
+          </a:xfrm>
+          <a:prstGeom prst="straightConnector1">
+            <a:avLst/>
+          </a:prstGeom>
+          <a:ln>
+            <a:tailEnd type="arrow"/>
+          </a:ln>
+        </p:spPr>
+        <p:style>
+          <a:lnRef idx="2">
+            <a:schemeClr val="accent1"/>
+          </a:lnRef>
+          <a:fillRef idx="0">
+            <a:schemeClr val="accent1"/>
+          </a:fillRef>
+          <a:effectRef idx="1">
+            <a:schemeClr val="accent1"/>
+          </a:effectRef>
+          <a:fontRef idx="minor">
+            <a:schemeClr val="tx1"/>
+          </a:fontRef>
+        </p:style>
+      </p:cxnSp>
+      <p:cxnSp>
+        <p:nvCxnSpPr>
+          <p:cNvPr id="24" name="直线箭头连接符 19"/>
+          <p:cNvCxnSpPr/>
+          <p:nvPr/>
+        </p:nvCxnSpPr>
+        <p:spPr>
+          <a:xfrm flipV="1">
+            <a:off x="5496764" y="1148722"/>
+            <a:ext cx="0" cy="501448"/>
+          </a:xfrm>
+          <a:prstGeom prst="straightConnector1">
+            <a:avLst/>
+          </a:prstGeom>
+          <a:ln>
+            <a:tailEnd type="arrow"/>
+          </a:ln>
+        </p:spPr>
+        <p:style>
+          <a:lnRef idx="2">
+            <a:schemeClr val="accent1"/>
+          </a:lnRef>
+          <a:fillRef idx="0">
+            <a:schemeClr val="accent1"/>
+          </a:fillRef>
+          <a:effectRef idx="1">
+            <a:schemeClr val="accent1"/>
+          </a:effectRef>
+          <a:fontRef idx="minor">
+            <a:schemeClr val="tx1"/>
+          </a:fontRef>
+        </p:style>
+      </p:cxnSp>
+      <p:cxnSp>
+        <p:nvCxnSpPr>
+          <p:cNvPr id="25" name="直线箭头连接符 19"/>
+          <p:cNvCxnSpPr/>
+          <p:nvPr/>
+        </p:nvCxnSpPr>
+        <p:spPr>
+          <a:xfrm flipV="1">
+            <a:off x="5967544" y="328838"/>
+            <a:ext cx="0" cy="501448"/>
+          </a:xfrm>
+          <a:prstGeom prst="straightConnector1">
+            <a:avLst/>
+          </a:prstGeom>
+          <a:ln>
+            <a:tailEnd type="arrow"/>
+          </a:ln>
+        </p:spPr>
+        <p:style>
+          <a:lnRef idx="2">
+            <a:schemeClr val="accent1"/>
+          </a:lnRef>
+          <a:fillRef idx="0">
+            <a:schemeClr val="accent1"/>
+          </a:fillRef>
+          <a:effectRef idx="1">
+            <a:schemeClr val="accent1"/>
+          </a:effectRef>
+          <a:fontRef idx="minor">
+            <a:schemeClr val="tx1"/>
+          </a:fontRef>
+        </p:style>
+      </p:cxnSp>
+      <p:cxnSp>
+        <p:nvCxnSpPr>
+          <p:cNvPr id="26" name="直线箭头连接符 19"/>
+          <p:cNvCxnSpPr/>
+          <p:nvPr/>
+        </p:nvCxnSpPr>
+        <p:spPr>
+          <a:xfrm flipV="1">
+            <a:off x="6521314" y="2092969"/>
+            <a:ext cx="0" cy="501448"/>
+          </a:xfrm>
+          <a:prstGeom prst="straightConnector1">
+            <a:avLst/>
+          </a:prstGeom>
+          <a:ln>
+            <a:tailEnd type="arrow"/>
+          </a:ln>
+        </p:spPr>
+        <p:style>
+          <a:lnRef idx="2">
+            <a:schemeClr val="accent1"/>
+          </a:lnRef>
+          <a:fillRef idx="0">
+            <a:schemeClr val="accent1"/>
+          </a:fillRef>
+          <a:effectRef idx="1">
+            <a:schemeClr val="accent1"/>
+          </a:effectRef>
+          <a:fontRef idx="minor">
+            <a:schemeClr val="tx1"/>
+          </a:fontRef>
+        </p:style>
+      </p:cxnSp>
+      <p:cxnSp>
+        <p:nvCxnSpPr>
+          <p:cNvPr id="27" name="直线箭头连接符 19"/>
+          <p:cNvCxnSpPr/>
+          <p:nvPr/>
+        </p:nvCxnSpPr>
+        <p:spPr>
+          <a:xfrm flipV="1">
+            <a:off x="6872893" y="1148722"/>
+            <a:ext cx="0" cy="501448"/>
+          </a:xfrm>
+          <a:prstGeom prst="straightConnector1">
+            <a:avLst/>
+          </a:prstGeom>
+          <a:ln>
+            <a:tailEnd type="arrow"/>
+          </a:ln>
+        </p:spPr>
+        <p:style>
+          <a:lnRef idx="2">
+            <a:schemeClr val="accent1"/>
+          </a:lnRef>
+          <a:fillRef idx="0">
+            <a:schemeClr val="accent1"/>
+          </a:fillRef>
+          <a:effectRef idx="1">
+            <a:schemeClr val="accent1"/>
+          </a:effectRef>
+          <a:fontRef idx="minor">
+            <a:schemeClr val="tx1"/>
+          </a:fontRef>
+        </p:style>
+      </p:cxnSp>
+      <p:cxnSp>
+        <p:nvCxnSpPr>
+          <p:cNvPr id="28" name="直线箭头连接符 19"/>
+          <p:cNvCxnSpPr/>
+          <p:nvPr/>
+        </p:nvCxnSpPr>
+        <p:spPr>
+          <a:xfrm flipV="1">
+            <a:off x="7343673" y="328838"/>
+            <a:ext cx="0" cy="501448"/>
+          </a:xfrm>
+          <a:prstGeom prst="straightConnector1">
+            <a:avLst/>
+          </a:prstGeom>
+          <a:ln>
+            <a:tailEnd type="arrow"/>
+          </a:ln>
+        </p:spPr>
+        <p:style>
+          <a:lnRef idx="2">
+            <a:schemeClr val="accent1"/>
+          </a:lnRef>
+          <a:fillRef idx="0">
+            <a:schemeClr val="accent1"/>
+          </a:fillRef>
+          <a:effectRef idx="1">
+            <a:schemeClr val="accent1"/>
+          </a:effectRef>
+          <a:fontRef idx="minor">
+            <a:schemeClr val="tx1"/>
+          </a:fontRef>
+        </p:style>
+      </p:cxnSp>
+      <p:cxnSp>
+        <p:nvCxnSpPr>
+          <p:cNvPr id="29" name="直线箭头连接符 19"/>
+          <p:cNvCxnSpPr/>
+          <p:nvPr/>
+        </p:nvCxnSpPr>
+        <p:spPr>
+          <a:xfrm>
+            <a:off x="2222429" y="3386264"/>
+            <a:ext cx="0" cy="533886"/>
+          </a:xfrm>
+          <a:prstGeom prst="straightConnector1">
+            <a:avLst/>
+          </a:prstGeom>
+          <a:ln>
+            <a:solidFill>
+              <a:schemeClr val="tx1"/>
+            </a:solidFill>
+            <a:tailEnd type="arrow"/>
+          </a:ln>
+        </p:spPr>
+        <p:style>
+          <a:lnRef idx="2">
+            <a:schemeClr val="accent1"/>
+          </a:lnRef>
+          <a:fillRef idx="0">
+            <a:schemeClr val="accent1"/>
+          </a:fillRef>
+          <a:effectRef idx="1">
+            <a:schemeClr val="accent1"/>
+          </a:effectRef>
+          <a:fontRef idx="minor">
+            <a:schemeClr val="tx1"/>
+          </a:fontRef>
+        </p:style>
+      </p:cxnSp>
+      <p:cxnSp>
+        <p:nvCxnSpPr>
+          <p:cNvPr id="30" name="直线箭头连接符 19"/>
+          <p:cNvCxnSpPr/>
+          <p:nvPr/>
+        </p:nvCxnSpPr>
+        <p:spPr>
+          <a:xfrm flipV="1">
+            <a:off x="3101928" y="2884816"/>
+            <a:ext cx="0" cy="501448"/>
+          </a:xfrm>
+          <a:prstGeom prst="straightConnector1">
+            <a:avLst/>
+          </a:prstGeom>
+          <a:ln>
+            <a:solidFill>
+              <a:schemeClr val="tx1"/>
+            </a:solidFill>
+            <a:tailEnd type="arrow"/>
+          </a:ln>
+        </p:spPr>
+        <p:style>
+          <a:lnRef idx="2">
+            <a:schemeClr val="accent1"/>
+          </a:lnRef>
+          <a:fillRef idx="0">
+            <a:schemeClr val="accent1"/>
+          </a:fillRef>
+          <a:effectRef idx="1">
+            <a:schemeClr val="accent1"/>
+          </a:effectRef>
+          <a:fontRef idx="minor">
+            <a:schemeClr val="tx1"/>
+          </a:fontRef>
+        </p:style>
+      </p:cxnSp>
+      <p:cxnSp>
+        <p:nvCxnSpPr>
+          <p:cNvPr id="31" name="直线箭头连接符 19"/>
+          <p:cNvCxnSpPr/>
+          <p:nvPr/>
+        </p:nvCxnSpPr>
+        <p:spPr>
+          <a:xfrm flipV="1">
+            <a:off x="4576133" y="2884816"/>
+            <a:ext cx="0" cy="501448"/>
+          </a:xfrm>
+          <a:prstGeom prst="straightConnector1">
+            <a:avLst/>
+          </a:prstGeom>
+          <a:ln>
+            <a:solidFill>
+              <a:schemeClr val="tx1"/>
+            </a:solidFill>
+            <a:tailEnd type="arrow"/>
+          </a:ln>
+        </p:spPr>
+        <p:style>
+          <a:lnRef idx="2">
+            <a:schemeClr val="accent1"/>
+          </a:lnRef>
+          <a:fillRef idx="0">
+            <a:schemeClr val="accent1"/>
+          </a:fillRef>
+          <a:effectRef idx="1">
+            <a:schemeClr val="accent1"/>
+          </a:effectRef>
+          <a:fontRef idx="minor">
+            <a:schemeClr val="tx1"/>
+          </a:fontRef>
+        </p:style>
+      </p:cxnSp>
+      <p:cxnSp>
+        <p:nvCxnSpPr>
+          <p:cNvPr id="32" name="直线箭头连接符 19"/>
+          <p:cNvCxnSpPr/>
+          <p:nvPr/>
+        </p:nvCxnSpPr>
+        <p:spPr>
+          <a:xfrm flipV="1">
+            <a:off x="5961314" y="2884816"/>
+            <a:ext cx="0" cy="501448"/>
+          </a:xfrm>
+          <a:prstGeom prst="straightConnector1">
+            <a:avLst/>
+          </a:prstGeom>
+          <a:ln>
+            <a:solidFill>
+              <a:schemeClr val="tx1"/>
+            </a:solidFill>
+            <a:tailEnd type="arrow"/>
+          </a:ln>
+        </p:spPr>
+        <p:style>
+          <a:lnRef idx="2">
+            <a:schemeClr val="accent1"/>
+          </a:lnRef>
+          <a:fillRef idx="0">
+            <a:schemeClr val="accent1"/>
+          </a:fillRef>
+          <a:effectRef idx="1">
+            <a:schemeClr val="accent1"/>
+          </a:effectRef>
+          <a:fontRef idx="minor">
+            <a:schemeClr val="tx1"/>
+          </a:fontRef>
+        </p:style>
+      </p:cxnSp>
+      <p:cxnSp>
+        <p:nvCxnSpPr>
+          <p:cNvPr id="33" name="直线箭头连接符 19"/>
+          <p:cNvCxnSpPr/>
+          <p:nvPr/>
+        </p:nvCxnSpPr>
+        <p:spPr>
+          <a:xfrm flipV="1">
+            <a:off x="7382708" y="2884816"/>
+            <a:ext cx="0" cy="501448"/>
+          </a:xfrm>
+          <a:prstGeom prst="straightConnector1">
+            <a:avLst/>
+          </a:prstGeom>
+          <a:ln>
+            <a:solidFill>
+              <a:schemeClr val="tx1"/>
+            </a:solidFill>
+            <a:tailEnd type="arrow"/>
+          </a:ln>
+        </p:spPr>
+        <p:style>
+          <a:lnRef idx="2">
+            <a:schemeClr val="accent1"/>
+          </a:lnRef>
+          <a:fillRef idx="0">
+            <a:schemeClr val="accent1"/>
+          </a:fillRef>
+          <a:effectRef idx="1">
+            <a:schemeClr val="accent1"/>
+          </a:effectRef>
+          <a:fontRef idx="minor">
+            <a:schemeClr val="tx1"/>
+          </a:fontRef>
+        </p:style>
+      </p:cxnSp>
+      <p:cxnSp>
+        <p:nvCxnSpPr>
+          <p:cNvPr id="34" name="直线箭头连接符 19"/>
+          <p:cNvCxnSpPr/>
+          <p:nvPr/>
+        </p:nvCxnSpPr>
+        <p:spPr>
+          <a:xfrm>
+            <a:off x="3690403" y="3386264"/>
+            <a:ext cx="0" cy="533886"/>
+          </a:xfrm>
+          <a:prstGeom prst="straightConnector1">
+            <a:avLst/>
+          </a:prstGeom>
+          <a:ln>
+            <a:solidFill>
+              <a:schemeClr val="tx1"/>
+            </a:solidFill>
+            <a:tailEnd type="arrow"/>
+          </a:ln>
+        </p:spPr>
+        <p:style>
+          <a:lnRef idx="2">
+            <a:schemeClr val="accent1"/>
+          </a:lnRef>
+          <a:fillRef idx="0">
+            <a:schemeClr val="accent1"/>
+          </a:fillRef>
+          <a:effectRef idx="1">
+            <a:schemeClr val="accent1"/>
+          </a:effectRef>
+          <a:fontRef idx="minor">
+            <a:schemeClr val="tx1"/>
+          </a:fontRef>
+        </p:style>
+      </p:cxnSp>
+      <p:cxnSp>
+        <p:nvCxnSpPr>
+          <p:cNvPr id="35" name="直线箭头连接符 19"/>
+          <p:cNvCxnSpPr/>
+          <p:nvPr/>
+        </p:nvCxnSpPr>
+        <p:spPr>
+          <a:xfrm>
+            <a:off x="5111795" y="3386264"/>
+            <a:ext cx="0" cy="533886"/>
+          </a:xfrm>
+          <a:prstGeom prst="straightConnector1">
+            <a:avLst/>
+          </a:prstGeom>
+          <a:ln>
+            <a:solidFill>
+              <a:schemeClr val="tx1"/>
+            </a:solidFill>
+            <a:tailEnd type="arrow"/>
+          </a:ln>
+        </p:spPr>
+        <p:style>
+          <a:lnRef idx="2">
+            <a:schemeClr val="accent1"/>
+          </a:lnRef>
+          <a:fillRef idx="0">
+            <a:schemeClr val="accent1"/>
+          </a:fillRef>
+          <a:effectRef idx="1">
+            <a:schemeClr val="accent1"/>
+          </a:effectRef>
+          <a:fontRef idx="minor">
+            <a:schemeClr val="tx1"/>
+          </a:fontRef>
+        </p:style>
+      </p:cxnSp>
+      <p:cxnSp>
+        <p:nvCxnSpPr>
+          <p:cNvPr id="36" name="直线箭头连接符 19"/>
+          <p:cNvCxnSpPr/>
+          <p:nvPr/>
+        </p:nvCxnSpPr>
+        <p:spPr>
+          <a:xfrm>
+            <a:off x="6515084" y="3386264"/>
+            <a:ext cx="0" cy="533886"/>
+          </a:xfrm>
+          <a:prstGeom prst="straightConnector1">
+            <a:avLst/>
+          </a:prstGeom>
+          <a:ln>
+            <a:solidFill>
+              <a:schemeClr val="tx1"/>
+            </a:solidFill>
+            <a:tailEnd type="arrow"/>
+          </a:ln>
+        </p:spPr>
+        <p:style>
+          <a:lnRef idx="2">
+            <a:schemeClr val="accent1"/>
+          </a:lnRef>
+          <a:fillRef idx="0">
+            <a:schemeClr val="accent1"/>
+          </a:fillRef>
+          <a:effectRef idx="1">
+            <a:schemeClr val="accent1"/>
+          </a:effectRef>
+          <a:fontRef idx="minor">
+            <a:schemeClr val="tx1"/>
+          </a:fontRef>
+        </p:style>
+      </p:cxnSp>
+      <p:sp>
+        <p:nvSpPr>
+          <p:cNvPr id="4" name="文本框 3"/>
+          <p:cNvSpPr txBox="1"/>
+          <p:nvPr/>
+        </p:nvSpPr>
+        <p:spPr>
+          <a:xfrm>
+            <a:off x="2218139" y="3735484"/>
+            <a:ext cx="420564" cy="369332"/>
+          </a:xfrm>
+          <a:prstGeom prst="rect">
+            <a:avLst/>
+          </a:prstGeom>
+          <a:noFill/>
+        </p:spPr>
+        <p:txBody>
+          <a:bodyPr wrap="none" rtlCol="0">
+            <a:spAutoFit/>
+          </a:bodyPr>
+          <a:lstStyle/>
+          <a:p>
+            <a:r>
+              <a:rPr lang="en-US" dirty="0" smtClean="0"/>
+              <a:t>VS</a:t>
+            </a:r>
+            <a:endParaRPr lang="en-US" dirty="0"/>
+          </a:p>
+        </p:txBody>
+      </p:sp>
+      <p:sp>
+        <p:nvSpPr>
+          <p:cNvPr id="39" name="文本框 38"/>
+          <p:cNvSpPr txBox="1"/>
+          <p:nvPr/>
+        </p:nvSpPr>
+        <p:spPr>
+          <a:xfrm>
+            <a:off x="3090053" y="2686014"/>
+            <a:ext cx="420564" cy="369332"/>
+          </a:xfrm>
+          <a:prstGeom prst="rect">
+            <a:avLst/>
+          </a:prstGeom>
+          <a:noFill/>
+        </p:spPr>
+        <p:txBody>
+          <a:bodyPr wrap="none" rtlCol="0">
+            <a:spAutoFit/>
+          </a:bodyPr>
+          <a:lstStyle/>
+          <a:p>
+            <a:r>
+              <a:rPr lang="en-US" dirty="0" smtClean="0"/>
+              <a:t>AS</a:t>
+            </a:r>
+            <a:endParaRPr lang="en-US" dirty="0"/>
+          </a:p>
+        </p:txBody>
+      </p:sp>
+      <p:sp>
+        <p:nvSpPr>
+          <p:cNvPr id="40" name="文本框 39"/>
+          <p:cNvSpPr txBox="1"/>
+          <p:nvPr/>
+        </p:nvSpPr>
+        <p:spPr>
+          <a:xfrm>
+            <a:off x="4573875" y="2667713"/>
+            <a:ext cx="420564" cy="369332"/>
+          </a:xfrm>
+          <a:prstGeom prst="rect">
+            <a:avLst/>
+          </a:prstGeom>
+          <a:noFill/>
+        </p:spPr>
+        <p:txBody>
+          <a:bodyPr wrap="none" rtlCol="0">
+            <a:spAutoFit/>
+          </a:bodyPr>
+          <a:lstStyle/>
+          <a:p>
+            <a:r>
+              <a:rPr lang="en-US" dirty="0" smtClean="0"/>
+              <a:t>AS</a:t>
+            </a:r>
+            <a:endParaRPr lang="en-US" dirty="0"/>
+          </a:p>
+        </p:txBody>
+      </p:sp>
+      <p:sp>
+        <p:nvSpPr>
+          <p:cNvPr id="41" name="文本框 40"/>
+          <p:cNvSpPr txBox="1"/>
+          <p:nvPr/>
+        </p:nvSpPr>
+        <p:spPr>
+          <a:xfrm>
+            <a:off x="5922279" y="2662541"/>
+            <a:ext cx="420564" cy="369332"/>
+          </a:xfrm>
+          <a:prstGeom prst="rect">
+            <a:avLst/>
+          </a:prstGeom>
+          <a:noFill/>
+        </p:spPr>
+        <p:txBody>
+          <a:bodyPr wrap="none" rtlCol="0">
+            <a:spAutoFit/>
+          </a:bodyPr>
+          <a:lstStyle/>
+          <a:p>
+            <a:r>
+              <a:rPr lang="en-US" dirty="0" smtClean="0"/>
+              <a:t>AS</a:t>
+            </a:r>
+            <a:endParaRPr lang="en-US" dirty="0"/>
+          </a:p>
+        </p:txBody>
+      </p:sp>
+      <p:sp>
+        <p:nvSpPr>
+          <p:cNvPr id="42" name="文本框 41"/>
+          <p:cNvSpPr txBox="1"/>
+          <p:nvPr/>
+        </p:nvSpPr>
+        <p:spPr>
+          <a:xfrm>
+            <a:off x="7343673" y="2685595"/>
+            <a:ext cx="420564" cy="369332"/>
+          </a:xfrm>
+          <a:prstGeom prst="rect">
+            <a:avLst/>
+          </a:prstGeom>
+          <a:noFill/>
+        </p:spPr>
+        <p:txBody>
+          <a:bodyPr wrap="none" rtlCol="0">
+            <a:spAutoFit/>
+          </a:bodyPr>
+          <a:lstStyle/>
+          <a:p>
+            <a:r>
+              <a:rPr lang="en-US" dirty="0" smtClean="0"/>
+              <a:t>AS</a:t>
+            </a:r>
+            <a:endParaRPr lang="en-US" dirty="0"/>
+          </a:p>
+        </p:txBody>
+      </p:sp>
+      <p:sp>
+        <p:nvSpPr>
+          <p:cNvPr id="43" name="文本框 42"/>
+          <p:cNvSpPr txBox="1"/>
+          <p:nvPr/>
+        </p:nvSpPr>
+        <p:spPr>
+          <a:xfrm>
+            <a:off x="3690153" y="3735484"/>
+            <a:ext cx="434734" cy="369332"/>
+          </a:xfrm>
+          <a:prstGeom prst="rect">
+            <a:avLst/>
+          </a:prstGeom>
+          <a:noFill/>
+        </p:spPr>
+        <p:txBody>
+          <a:bodyPr wrap="none" rtlCol="0">
+            <a:spAutoFit/>
+          </a:bodyPr>
+          <a:lstStyle/>
+          <a:p>
+            <a:r>
+              <a:rPr lang="en-US" dirty="0" smtClean="0"/>
+              <a:t>VP</a:t>
+            </a:r>
+            <a:endParaRPr lang="en-US" dirty="0"/>
+          </a:p>
+        </p:txBody>
+      </p:sp>
+      <p:sp>
+        <p:nvSpPr>
+          <p:cNvPr id="45" name="文本框 44"/>
+          <p:cNvSpPr txBox="1"/>
+          <p:nvPr/>
+        </p:nvSpPr>
+        <p:spPr>
+          <a:xfrm>
+            <a:off x="5069266" y="3735484"/>
+            <a:ext cx="434734" cy="369332"/>
+          </a:xfrm>
+          <a:prstGeom prst="rect">
+            <a:avLst/>
+          </a:prstGeom>
+          <a:noFill/>
+        </p:spPr>
+        <p:txBody>
+          <a:bodyPr wrap="none" rtlCol="0">
+            <a:spAutoFit/>
+          </a:bodyPr>
+          <a:lstStyle/>
+          <a:p>
+            <a:r>
+              <a:rPr lang="en-US" dirty="0" smtClean="0"/>
+              <a:t>VP</a:t>
+            </a:r>
+            <a:endParaRPr lang="en-US" dirty="0"/>
+          </a:p>
+        </p:txBody>
+      </p:sp>
+      <p:sp>
+        <p:nvSpPr>
+          <p:cNvPr id="46" name="文本框 45"/>
+          <p:cNvSpPr txBox="1"/>
+          <p:nvPr/>
+        </p:nvSpPr>
+        <p:spPr>
+          <a:xfrm>
+            <a:off x="6515084" y="3735484"/>
+            <a:ext cx="434734" cy="369332"/>
+          </a:xfrm>
+          <a:prstGeom prst="rect">
+            <a:avLst/>
+          </a:prstGeom>
+          <a:noFill/>
+        </p:spPr>
+        <p:txBody>
+          <a:bodyPr wrap="none" rtlCol="0">
+            <a:spAutoFit/>
+          </a:bodyPr>
+          <a:lstStyle/>
+          <a:p>
+            <a:r>
+              <a:rPr lang="en-US" dirty="0" smtClean="0"/>
+              <a:t>VP</a:t>
+            </a:r>
+            <a:endParaRPr lang="en-US" dirty="0"/>
+          </a:p>
+        </p:txBody>
+      </p:sp>
+      <p:cxnSp>
+        <p:nvCxnSpPr>
+          <p:cNvPr id="11" name="直接连接符 10"/>
+          <p:cNvCxnSpPr/>
+          <p:nvPr/>
+        </p:nvCxnSpPr>
+        <p:spPr>
+          <a:xfrm>
+            <a:off x="2218139" y="2624717"/>
+            <a:ext cx="0" cy="761547"/>
+          </a:xfrm>
+          <a:prstGeom prst="line">
+            <a:avLst/>
+          </a:prstGeom>
+          <a:ln w="19050">
+            <a:solidFill>
+              <a:srgbClr val="FF0000"/>
+            </a:solidFill>
+            <a:prstDash val="sysDot"/>
+          </a:ln>
+        </p:spPr>
+        <p:style>
+          <a:lnRef idx="2">
+            <a:schemeClr val="accent1"/>
+          </a:lnRef>
+          <a:fillRef idx="0">
+            <a:schemeClr val="accent1"/>
+          </a:fillRef>
+          <a:effectRef idx="1">
+            <a:schemeClr val="accent1"/>
+          </a:effectRef>
+          <a:fontRef idx="minor">
+            <a:schemeClr val="tx1"/>
+          </a:fontRef>
+        </p:style>
+      </p:cxnSp>
+      <p:cxnSp>
+        <p:nvCxnSpPr>
+          <p:cNvPr id="47" name="直接连接符 46"/>
+          <p:cNvCxnSpPr>
+            <a:endCxn id="39" idx="1"/>
+          </p:cNvCxnSpPr>
+          <p:nvPr/>
+        </p:nvCxnSpPr>
+        <p:spPr>
+          <a:xfrm>
+            <a:off x="3082352" y="856714"/>
+            <a:ext cx="7701" cy="2013966"/>
+          </a:xfrm>
+          <a:prstGeom prst="line">
+            <a:avLst/>
+          </a:prstGeom>
+          <a:ln w="19050">
+            <a:solidFill>
+              <a:srgbClr val="FF0000"/>
+            </a:solidFill>
+            <a:prstDash val="sysDot"/>
+          </a:ln>
+        </p:spPr>
+        <p:style>
+          <a:lnRef idx="2">
+            <a:schemeClr val="accent1"/>
+          </a:lnRef>
+          <a:fillRef idx="0">
+            <a:schemeClr val="accent1"/>
+          </a:fillRef>
+          <a:effectRef idx="1">
+            <a:schemeClr val="accent1"/>
+          </a:effectRef>
+          <a:fontRef idx="minor">
+            <a:schemeClr val="tx1"/>
+          </a:fontRef>
+        </p:style>
+      </p:cxnSp>
+      <p:cxnSp>
+        <p:nvCxnSpPr>
+          <p:cNvPr id="49" name="直接连接符 48"/>
+          <p:cNvCxnSpPr/>
+          <p:nvPr/>
+        </p:nvCxnSpPr>
+        <p:spPr>
+          <a:xfrm>
+            <a:off x="3678528" y="2624716"/>
+            <a:ext cx="0" cy="761547"/>
+          </a:xfrm>
+          <a:prstGeom prst="line">
+            <a:avLst/>
+          </a:prstGeom>
+          <a:ln w="19050">
+            <a:solidFill>
+              <a:srgbClr val="FF0000"/>
+            </a:solidFill>
+            <a:prstDash val="sysDot"/>
+          </a:ln>
+        </p:spPr>
+        <p:style>
+          <a:lnRef idx="2">
+            <a:schemeClr val="accent1"/>
+          </a:lnRef>
+          <a:fillRef idx="0">
+            <a:schemeClr val="accent1"/>
+          </a:fillRef>
+          <a:effectRef idx="1">
+            <a:schemeClr val="accent1"/>
+          </a:effectRef>
+          <a:fontRef idx="minor">
+            <a:schemeClr val="tx1"/>
+          </a:fontRef>
+        </p:style>
+      </p:cxnSp>
+      <p:cxnSp>
+        <p:nvCxnSpPr>
+          <p:cNvPr id="50" name="直接连接符 49"/>
+          <p:cNvCxnSpPr>
+            <a:endCxn id="40" idx="1"/>
+          </p:cNvCxnSpPr>
+          <p:nvPr/>
+        </p:nvCxnSpPr>
+        <p:spPr>
+          <a:xfrm>
+            <a:off x="4546152" y="838426"/>
+            <a:ext cx="27723" cy="2013953"/>
+          </a:xfrm>
+          <a:prstGeom prst="line">
+            <a:avLst/>
+          </a:prstGeom>
+          <a:ln w="19050">
+            <a:solidFill>
+              <a:srgbClr val="FF0000"/>
+            </a:solidFill>
+            <a:prstDash val="sysDot"/>
+          </a:ln>
+        </p:spPr>
+        <p:style>
+          <a:lnRef idx="2">
+            <a:schemeClr val="accent1"/>
+          </a:lnRef>
+          <a:fillRef idx="0">
+            <a:schemeClr val="accent1"/>
+          </a:fillRef>
+          <a:effectRef idx="1">
+            <a:schemeClr val="accent1"/>
+          </a:effectRef>
+          <a:fontRef idx="minor">
+            <a:schemeClr val="tx1"/>
+          </a:fontRef>
+        </p:style>
+      </p:cxnSp>
+      <p:cxnSp>
+        <p:nvCxnSpPr>
+          <p:cNvPr id="52" name="直接连接符 51"/>
+          <p:cNvCxnSpPr/>
+          <p:nvPr/>
+        </p:nvCxnSpPr>
+        <p:spPr>
+          <a:xfrm>
+            <a:off x="5101273" y="2624715"/>
+            <a:ext cx="0" cy="761547"/>
+          </a:xfrm>
+          <a:prstGeom prst="line">
+            <a:avLst/>
+          </a:prstGeom>
+          <a:ln w="19050">
+            <a:solidFill>
+              <a:srgbClr val="FF0000"/>
+            </a:solidFill>
+            <a:prstDash val="sysDot"/>
+          </a:ln>
+        </p:spPr>
+        <p:style>
+          <a:lnRef idx="2">
+            <a:schemeClr val="accent1"/>
+          </a:lnRef>
+          <a:fillRef idx="0">
+            <a:schemeClr val="accent1"/>
+          </a:fillRef>
+          <a:effectRef idx="1">
+            <a:schemeClr val="accent1"/>
+          </a:effectRef>
+          <a:fontRef idx="minor">
+            <a:schemeClr val="tx1"/>
+          </a:fontRef>
+        </p:style>
+      </p:cxnSp>
+      <p:sp>
+        <p:nvSpPr>
+          <p:cNvPr id="54" name="矩形 53"/>
+          <p:cNvSpPr/>
+          <p:nvPr/>
+        </p:nvSpPr>
+        <p:spPr>
+          <a:xfrm>
+            <a:off x="4576133" y="3117241"/>
+            <a:ext cx="523788" cy="250722"/>
+          </a:xfrm>
+          <a:prstGeom prst="rect">
+            <a:avLst/>
+          </a:prstGeom>
+        </p:spPr>
+        <p:style>
+          <a:lnRef idx="1">
+            <a:schemeClr val="accent1"/>
+          </a:lnRef>
+          <a:fillRef idx="3">
+            <a:schemeClr val="accent1"/>
+          </a:fillRef>
+          <a:effectRef idx="2">
+            <a:schemeClr val="accent1"/>
+          </a:effectRef>
+          <a:fontRef idx="minor">
+            <a:schemeClr val="lt1"/>
+          </a:fontRef>
+        </p:style>
+        <p:txBody>
+          <a:bodyPr rtlCol="0" anchor="ctr"/>
+          <a:lstStyle/>
+          <a:p>
+            <a:pPr algn="ctr"/>
+            <a:r>
+              <a:rPr lang="en-US" dirty="0" smtClean="0"/>
+              <a:t>AVI</a:t>
+            </a:r>
+            <a:endParaRPr lang="en-US" dirty="0"/>
+          </a:p>
+        </p:txBody>
+      </p:sp>
+      <p:sp>
+        <p:nvSpPr>
+          <p:cNvPr id="55" name="矩形 54"/>
+          <p:cNvSpPr/>
+          <p:nvPr/>
+        </p:nvSpPr>
+        <p:spPr>
+          <a:xfrm>
+            <a:off x="5967544" y="3125244"/>
+            <a:ext cx="547540" cy="250722"/>
+          </a:xfrm>
+          <a:prstGeom prst="rect">
+            <a:avLst/>
+          </a:prstGeom>
+        </p:spPr>
+        <p:style>
+          <a:lnRef idx="1">
+            <a:schemeClr val="accent1"/>
+          </a:lnRef>
+          <a:fillRef idx="3">
+            <a:schemeClr val="accent1"/>
+          </a:fillRef>
+          <a:effectRef idx="2">
+            <a:schemeClr val="accent1"/>
+          </a:effectRef>
+          <a:fontRef idx="minor">
+            <a:schemeClr val="lt1"/>
+          </a:fontRef>
+        </p:style>
+        <p:txBody>
+          <a:bodyPr rtlCol="0" anchor="ctr"/>
+          <a:lstStyle/>
+          <a:p>
+            <a:pPr algn="ctr"/>
+            <a:r>
+              <a:rPr lang="en-US" dirty="0" smtClean="0"/>
+              <a:t>AVI</a:t>
+            </a:r>
+            <a:endParaRPr lang="en-US" dirty="0"/>
+          </a:p>
+        </p:txBody>
+      </p:sp>
+      <p:cxnSp>
+        <p:nvCxnSpPr>
+          <p:cNvPr id="56" name="直线连接符 4"/>
+          <p:cNvCxnSpPr/>
+          <p:nvPr/>
+        </p:nvCxnSpPr>
+        <p:spPr>
+          <a:xfrm>
+            <a:off x="1881405" y="4748928"/>
+            <a:ext cx="5926403" cy="0"/>
+          </a:xfrm>
+          <a:prstGeom prst="line">
+            <a:avLst/>
+          </a:prstGeom>
+        </p:spPr>
+        <p:style>
+          <a:lnRef idx="2">
+            <a:schemeClr val="accent1"/>
+          </a:lnRef>
+          <a:fillRef idx="0">
+            <a:schemeClr val="accent1"/>
+          </a:fillRef>
+          <a:effectRef idx="1">
+            <a:schemeClr val="accent1"/>
+          </a:effectRef>
+          <a:fontRef idx="minor">
+            <a:schemeClr val="tx1"/>
+          </a:fontRef>
+        </p:style>
+      </p:cxnSp>
+      <p:sp>
+        <p:nvSpPr>
+          <p:cNvPr id="57" name="椭圆 56"/>
+          <p:cNvSpPr/>
+          <p:nvPr/>
+        </p:nvSpPr>
+        <p:spPr>
+          <a:xfrm>
+            <a:off x="675687" y="4602407"/>
+            <a:ext cx="309322" cy="309322"/>
+          </a:xfrm>
+          <a:prstGeom prst="ellipse">
+            <a:avLst/>
+          </a:prstGeom>
+        </p:spPr>
+        <p:style>
+          <a:lnRef idx="1">
+            <a:schemeClr val="accent1"/>
+          </a:lnRef>
+          <a:fillRef idx="3">
+            <a:schemeClr val="accent1"/>
+          </a:fillRef>
+          <a:effectRef idx="2">
+            <a:schemeClr val="accent1"/>
+          </a:effectRef>
+          <a:fontRef idx="minor">
+            <a:schemeClr val="lt1"/>
+          </a:fontRef>
+        </p:style>
+        <p:txBody>
+          <a:bodyPr rtlCol="0" anchor="ctr"/>
+          <a:lstStyle/>
+          <a:p>
+            <a:pPr algn="ctr"/>
+            <a:endParaRPr kumimoji="1" lang="zh-CN" altLang="en-US"/>
+          </a:p>
+        </p:txBody>
+      </p:sp>
+      <p:sp>
+        <p:nvSpPr>
+          <p:cNvPr id="58" name="椭圆 57"/>
+          <p:cNvSpPr/>
+          <p:nvPr/>
+        </p:nvSpPr>
+        <p:spPr>
+          <a:xfrm>
+            <a:off x="985009" y="5422292"/>
+            <a:ext cx="309322" cy="309322"/>
+          </a:xfrm>
+          <a:prstGeom prst="ellipse">
+            <a:avLst/>
+          </a:prstGeom>
+        </p:spPr>
+        <p:style>
+          <a:lnRef idx="1">
+            <a:schemeClr val="accent1"/>
+          </a:lnRef>
+          <a:fillRef idx="3">
+            <a:schemeClr val="accent1"/>
+          </a:fillRef>
+          <a:effectRef idx="2">
+            <a:schemeClr val="accent1"/>
+          </a:effectRef>
+          <a:fontRef idx="minor">
+            <a:schemeClr val="lt1"/>
+          </a:fontRef>
+        </p:style>
+        <p:txBody>
+          <a:bodyPr rtlCol="0" anchor="ctr"/>
+          <a:lstStyle/>
+          <a:p>
+            <a:pPr algn="ctr"/>
+            <a:endParaRPr kumimoji="1" lang="zh-CN" altLang="en-US"/>
+          </a:p>
+        </p:txBody>
+      </p:sp>
+      <p:sp>
+        <p:nvSpPr>
+          <p:cNvPr id="59" name="椭圆 58"/>
+          <p:cNvSpPr/>
+          <p:nvPr/>
+        </p:nvSpPr>
+        <p:spPr>
+          <a:xfrm>
+            <a:off x="1359502" y="6388698"/>
+            <a:ext cx="309322" cy="309322"/>
+          </a:xfrm>
+          <a:prstGeom prst="ellipse">
+            <a:avLst/>
+          </a:prstGeom>
+        </p:spPr>
+        <p:style>
+          <a:lnRef idx="1">
+            <a:schemeClr val="accent1"/>
+          </a:lnRef>
+          <a:fillRef idx="3">
+            <a:schemeClr val="accent1"/>
+          </a:fillRef>
+          <a:effectRef idx="2">
+            <a:schemeClr val="accent1"/>
+          </a:effectRef>
+          <a:fontRef idx="minor">
+            <a:schemeClr val="lt1"/>
+          </a:fontRef>
+        </p:style>
+        <p:txBody>
+          <a:bodyPr rtlCol="0" anchor="ctr"/>
+          <a:lstStyle/>
+          <a:p>
+            <a:pPr algn="ctr"/>
+            <a:endParaRPr kumimoji="1" lang="zh-CN" altLang="en-US"/>
+          </a:p>
+        </p:txBody>
+      </p:sp>
+      <p:cxnSp>
+        <p:nvCxnSpPr>
+          <p:cNvPr id="60" name="直线连接符 9"/>
+          <p:cNvCxnSpPr>
+            <a:stCxn id="57" idx="4"/>
+            <a:endCxn id="58" idx="0"/>
+          </p:cNvCxnSpPr>
+          <p:nvPr/>
+        </p:nvCxnSpPr>
+        <p:spPr>
+          <a:xfrm>
+            <a:off x="830348" y="4911729"/>
+            <a:ext cx="309322" cy="510563"/>
+          </a:xfrm>
+          <a:prstGeom prst="line">
+            <a:avLst/>
+          </a:prstGeom>
+        </p:spPr>
+        <p:style>
+          <a:lnRef idx="2">
+            <a:schemeClr val="accent1"/>
+          </a:lnRef>
+          <a:fillRef idx="0">
+            <a:schemeClr val="accent1"/>
+          </a:fillRef>
+          <a:effectRef idx="1">
+            <a:schemeClr val="accent1"/>
+          </a:effectRef>
+          <a:fontRef idx="minor">
+            <a:schemeClr val="tx1"/>
+          </a:fontRef>
+        </p:style>
+      </p:cxnSp>
+      <p:cxnSp>
+        <p:nvCxnSpPr>
+          <p:cNvPr id="61" name="直线连接符 14"/>
+          <p:cNvCxnSpPr>
+            <a:stCxn id="58" idx="4"/>
+            <a:endCxn id="59" idx="0"/>
+          </p:cNvCxnSpPr>
+          <p:nvPr/>
+        </p:nvCxnSpPr>
+        <p:spPr>
+          <a:xfrm>
+            <a:off x="1139670" y="5731614"/>
+            <a:ext cx="374493" cy="657084"/>
+          </a:xfrm>
+          <a:prstGeom prst="line">
+            <a:avLst/>
+          </a:prstGeom>
+        </p:spPr>
+        <p:style>
+          <a:lnRef idx="2">
+            <a:schemeClr val="accent1"/>
+          </a:lnRef>
+          <a:fillRef idx="0">
+            <a:schemeClr val="accent1"/>
+          </a:fillRef>
+          <a:effectRef idx="1">
+            <a:schemeClr val="accent1"/>
+          </a:effectRef>
+          <a:fontRef idx="minor">
+            <a:schemeClr val="tx1"/>
+          </a:fontRef>
+        </p:style>
+      </p:cxnSp>
+      <p:cxnSp>
+        <p:nvCxnSpPr>
+          <p:cNvPr id="62" name="直线连接符 15"/>
+          <p:cNvCxnSpPr/>
+          <p:nvPr/>
+        </p:nvCxnSpPr>
+        <p:spPr>
+          <a:xfrm>
+            <a:off x="1881405" y="5568812"/>
+            <a:ext cx="5926403" cy="0"/>
+          </a:xfrm>
+          <a:prstGeom prst="line">
+            <a:avLst/>
+          </a:prstGeom>
+        </p:spPr>
+        <p:style>
+          <a:lnRef idx="2">
+            <a:schemeClr val="accent1"/>
+          </a:lnRef>
+          <a:fillRef idx="0">
+            <a:schemeClr val="accent1"/>
+          </a:fillRef>
+          <a:effectRef idx="1">
+            <a:schemeClr val="accent1"/>
+          </a:effectRef>
+          <a:fontRef idx="minor">
+            <a:schemeClr val="tx1"/>
+          </a:fontRef>
+        </p:style>
+      </p:cxnSp>
+      <p:cxnSp>
+        <p:nvCxnSpPr>
+          <p:cNvPr id="63" name="直线连接符 16"/>
+          <p:cNvCxnSpPr/>
+          <p:nvPr/>
+        </p:nvCxnSpPr>
+        <p:spPr>
+          <a:xfrm>
+            <a:off x="1881405" y="6513059"/>
+            <a:ext cx="5926403" cy="0"/>
+          </a:xfrm>
+          <a:prstGeom prst="line">
+            <a:avLst/>
+          </a:prstGeom>
+        </p:spPr>
+        <p:style>
+          <a:lnRef idx="2">
+            <a:schemeClr val="accent1"/>
+          </a:lnRef>
+          <a:fillRef idx="0">
+            <a:schemeClr val="accent1"/>
+          </a:fillRef>
+          <a:effectRef idx="1">
+            <a:schemeClr val="accent1"/>
+          </a:effectRef>
+          <a:fontRef idx="minor">
+            <a:schemeClr val="tx1"/>
+          </a:fontRef>
+        </p:style>
+      </p:cxnSp>
+      <p:cxnSp>
+        <p:nvCxnSpPr>
+          <p:cNvPr id="64" name="直线箭头连接符 19"/>
+          <p:cNvCxnSpPr/>
+          <p:nvPr/>
+        </p:nvCxnSpPr>
+        <p:spPr>
+          <a:xfrm flipV="1">
+            <a:off x="2213376" y="6011611"/>
+            <a:ext cx="0" cy="501448"/>
+          </a:xfrm>
+          <a:prstGeom prst="straightConnector1">
+            <a:avLst/>
+          </a:prstGeom>
+          <a:ln>
+            <a:tailEnd type="arrow"/>
+          </a:ln>
+        </p:spPr>
+        <p:style>
+          <a:lnRef idx="2">
+            <a:schemeClr val="accent1"/>
+          </a:lnRef>
+          <a:fillRef idx="0">
+            <a:schemeClr val="accent1"/>
+          </a:fillRef>
+          <a:effectRef idx="1">
+            <a:schemeClr val="accent1"/>
+          </a:effectRef>
+          <a:fontRef idx="minor">
+            <a:schemeClr val="tx1"/>
+          </a:fontRef>
+        </p:style>
+      </p:cxnSp>
+      <p:cxnSp>
+        <p:nvCxnSpPr>
+          <p:cNvPr id="65" name="直线箭头连接符 19"/>
+          <p:cNvCxnSpPr/>
+          <p:nvPr/>
+        </p:nvCxnSpPr>
+        <p:spPr>
+          <a:xfrm flipV="1">
+            <a:off x="3352603" y="5067364"/>
+            <a:ext cx="0" cy="501448"/>
+          </a:xfrm>
+          <a:prstGeom prst="straightConnector1">
+            <a:avLst/>
+          </a:prstGeom>
+          <a:ln>
+            <a:tailEnd type="arrow"/>
+          </a:ln>
+        </p:spPr>
+        <p:style>
+          <a:lnRef idx="2">
+            <a:schemeClr val="accent1"/>
+          </a:lnRef>
+          <a:fillRef idx="0">
+            <a:schemeClr val="accent1"/>
+          </a:fillRef>
+          <a:effectRef idx="1">
+            <a:schemeClr val="accent1"/>
+          </a:effectRef>
+          <a:fontRef idx="minor">
+            <a:schemeClr val="tx1"/>
+          </a:fontRef>
+        </p:style>
+      </p:cxnSp>
+      <p:cxnSp>
+        <p:nvCxnSpPr>
+          <p:cNvPr id="66" name="直线箭头连接符 19"/>
+          <p:cNvCxnSpPr/>
+          <p:nvPr/>
+        </p:nvCxnSpPr>
+        <p:spPr>
+          <a:xfrm flipV="1">
+            <a:off x="3099106" y="4247480"/>
+            <a:ext cx="0" cy="501448"/>
+          </a:xfrm>
+          <a:prstGeom prst="straightConnector1">
+            <a:avLst/>
+          </a:prstGeom>
+          <a:ln>
+            <a:tailEnd type="arrow"/>
+          </a:ln>
+        </p:spPr>
+        <p:style>
+          <a:lnRef idx="2">
+            <a:schemeClr val="accent1"/>
+          </a:lnRef>
+          <a:fillRef idx="0">
+            <a:schemeClr val="accent1"/>
+          </a:fillRef>
+          <a:effectRef idx="1">
+            <a:schemeClr val="accent1"/>
+          </a:effectRef>
+          <a:fontRef idx="minor">
+            <a:schemeClr val="tx1"/>
+          </a:fontRef>
+        </p:style>
+      </p:cxnSp>
+      <p:cxnSp>
+        <p:nvCxnSpPr>
+          <p:cNvPr id="67" name="直线箭头连接符 19"/>
+          <p:cNvCxnSpPr/>
+          <p:nvPr/>
+        </p:nvCxnSpPr>
+        <p:spPr>
+          <a:xfrm flipV="1">
+            <a:off x="3687581" y="6011611"/>
+            <a:ext cx="0" cy="501448"/>
+          </a:xfrm>
+          <a:prstGeom prst="straightConnector1">
+            <a:avLst/>
+          </a:prstGeom>
+          <a:ln>
+            <a:tailEnd type="arrow"/>
+          </a:ln>
+        </p:spPr>
+        <p:style>
+          <a:lnRef idx="2">
+            <a:schemeClr val="accent1"/>
+          </a:lnRef>
+          <a:fillRef idx="0">
+            <a:schemeClr val="accent1"/>
+          </a:fillRef>
+          <a:effectRef idx="1">
+            <a:schemeClr val="accent1"/>
+          </a:effectRef>
+          <a:fontRef idx="minor">
+            <a:schemeClr val="tx1"/>
+          </a:fontRef>
+        </p:style>
+      </p:cxnSp>
+      <p:cxnSp>
+        <p:nvCxnSpPr>
+          <p:cNvPr id="68" name="直线箭头连接符 19"/>
+          <p:cNvCxnSpPr/>
+          <p:nvPr/>
+        </p:nvCxnSpPr>
+        <p:spPr>
+          <a:xfrm flipV="1">
+            <a:off x="4799649" y="5067364"/>
+            <a:ext cx="0" cy="501448"/>
+          </a:xfrm>
+          <a:prstGeom prst="straightConnector1">
+            <a:avLst/>
+          </a:prstGeom>
+          <a:ln>
+            <a:tailEnd type="arrow"/>
+          </a:ln>
+        </p:spPr>
+        <p:style>
+          <a:lnRef idx="2">
+            <a:schemeClr val="accent1"/>
+          </a:lnRef>
+          <a:fillRef idx="0">
+            <a:schemeClr val="accent1"/>
+          </a:fillRef>
+          <a:effectRef idx="1">
+            <a:schemeClr val="accent1"/>
+          </a:effectRef>
+          <a:fontRef idx="minor">
+            <a:schemeClr val="tx1"/>
+          </a:fontRef>
+        </p:style>
+      </p:cxnSp>
+      <p:cxnSp>
+        <p:nvCxnSpPr>
+          <p:cNvPr id="69" name="直线箭头连接符 19"/>
+          <p:cNvCxnSpPr/>
+          <p:nvPr/>
+        </p:nvCxnSpPr>
+        <p:spPr>
+          <a:xfrm flipV="1">
+            <a:off x="4555205" y="4247480"/>
+            <a:ext cx="0" cy="501448"/>
+          </a:xfrm>
+          <a:prstGeom prst="straightConnector1">
+            <a:avLst/>
+          </a:prstGeom>
+          <a:ln>
+            <a:tailEnd type="arrow"/>
+          </a:ln>
+        </p:spPr>
+        <p:style>
+          <a:lnRef idx="2">
+            <a:schemeClr val="accent1"/>
+          </a:lnRef>
+          <a:fillRef idx="0">
+            <a:schemeClr val="accent1"/>
+          </a:fillRef>
+          <a:effectRef idx="1">
+            <a:schemeClr val="accent1"/>
+          </a:effectRef>
+          <a:fontRef idx="minor">
+            <a:schemeClr val="tx1"/>
+          </a:fontRef>
+        </p:style>
+      </p:cxnSp>
+      <p:cxnSp>
+        <p:nvCxnSpPr>
+          <p:cNvPr id="70" name="直线箭头连接符 19"/>
+          <p:cNvCxnSpPr/>
+          <p:nvPr/>
+        </p:nvCxnSpPr>
+        <p:spPr>
+          <a:xfrm flipV="1">
+            <a:off x="5108973" y="6011611"/>
+            <a:ext cx="0" cy="501448"/>
+          </a:xfrm>
+          <a:prstGeom prst="straightConnector1">
+            <a:avLst/>
+          </a:prstGeom>
+          <a:ln>
+            <a:tailEnd type="arrow"/>
+          </a:ln>
+        </p:spPr>
+        <p:style>
+          <a:lnRef idx="2">
+            <a:schemeClr val="accent1"/>
+          </a:lnRef>
+          <a:fillRef idx="0">
+            <a:schemeClr val="accent1"/>
+          </a:fillRef>
+          <a:effectRef idx="1">
+            <a:schemeClr val="accent1"/>
+          </a:effectRef>
+          <a:fontRef idx="minor">
+            <a:schemeClr val="tx1"/>
+          </a:fontRef>
+        </p:style>
+      </p:cxnSp>
+      <p:cxnSp>
+        <p:nvCxnSpPr>
+          <p:cNvPr id="71" name="直线箭头连接符 19"/>
+          <p:cNvCxnSpPr/>
+          <p:nvPr/>
+        </p:nvCxnSpPr>
+        <p:spPr>
+          <a:xfrm flipV="1">
+            <a:off x="6230094" y="5067364"/>
+            <a:ext cx="0" cy="501448"/>
+          </a:xfrm>
+          <a:prstGeom prst="straightConnector1">
+            <a:avLst/>
+          </a:prstGeom>
+          <a:ln>
+            <a:tailEnd type="arrow"/>
+          </a:ln>
+        </p:spPr>
+        <p:style>
+          <a:lnRef idx="2">
+            <a:schemeClr val="accent1"/>
+          </a:lnRef>
+          <a:fillRef idx="0">
+            <a:schemeClr val="accent1"/>
+          </a:fillRef>
+          <a:effectRef idx="1">
+            <a:schemeClr val="accent1"/>
+          </a:effectRef>
+          <a:fontRef idx="minor">
+            <a:schemeClr val="tx1"/>
+          </a:fontRef>
+        </p:style>
+      </p:cxnSp>
+      <p:cxnSp>
+        <p:nvCxnSpPr>
+          <p:cNvPr id="72" name="直线箭头连接符 19"/>
+          <p:cNvCxnSpPr/>
+          <p:nvPr/>
+        </p:nvCxnSpPr>
+        <p:spPr>
+          <a:xfrm flipV="1">
+            <a:off x="5976597" y="4247480"/>
+            <a:ext cx="0" cy="501448"/>
+          </a:xfrm>
+          <a:prstGeom prst="straightConnector1">
+            <a:avLst/>
+          </a:prstGeom>
+          <a:ln>
+            <a:tailEnd type="arrow"/>
+          </a:ln>
+        </p:spPr>
+        <p:style>
+          <a:lnRef idx="2">
+            <a:schemeClr val="accent1"/>
+          </a:lnRef>
+          <a:fillRef idx="0">
+            <a:schemeClr val="accent1"/>
+          </a:fillRef>
+          <a:effectRef idx="1">
+            <a:schemeClr val="accent1"/>
+          </a:effectRef>
+          <a:fontRef idx="minor">
+            <a:schemeClr val="tx1"/>
+          </a:fontRef>
+        </p:style>
+      </p:cxnSp>
+      <p:cxnSp>
+        <p:nvCxnSpPr>
+          <p:cNvPr id="73" name="直线箭头连接符 19"/>
+          <p:cNvCxnSpPr/>
+          <p:nvPr/>
+        </p:nvCxnSpPr>
+        <p:spPr>
+          <a:xfrm flipV="1">
+            <a:off x="6521314" y="6011611"/>
+            <a:ext cx="0" cy="501448"/>
+          </a:xfrm>
+          <a:prstGeom prst="straightConnector1">
+            <a:avLst/>
+          </a:prstGeom>
+          <a:ln>
+            <a:tailEnd type="arrow"/>
+          </a:ln>
+        </p:spPr>
+        <p:style>
+          <a:lnRef idx="2">
+            <a:schemeClr val="accent1"/>
+          </a:lnRef>
+          <a:fillRef idx="0">
+            <a:schemeClr val="accent1"/>
+          </a:fillRef>
+          <a:effectRef idx="1">
+            <a:schemeClr val="accent1"/>
+          </a:effectRef>
+          <a:fontRef idx="minor">
+            <a:schemeClr val="tx1"/>
+          </a:fontRef>
+        </p:style>
+      </p:cxnSp>
+      <p:cxnSp>
+        <p:nvCxnSpPr>
+          <p:cNvPr id="74" name="直线箭头连接符 19"/>
+          <p:cNvCxnSpPr/>
+          <p:nvPr/>
+        </p:nvCxnSpPr>
+        <p:spPr>
+          <a:xfrm flipV="1">
+            <a:off x="7606223" y="5067364"/>
+            <a:ext cx="0" cy="501448"/>
+          </a:xfrm>
+          <a:prstGeom prst="straightConnector1">
+            <a:avLst/>
+          </a:prstGeom>
+          <a:ln>
+            <a:tailEnd type="arrow"/>
+          </a:ln>
+        </p:spPr>
+        <p:style>
+          <a:lnRef idx="2">
+            <a:schemeClr val="accent1"/>
+          </a:lnRef>
+          <a:fillRef idx="0">
+            <a:schemeClr val="accent1"/>
+          </a:fillRef>
+          <a:effectRef idx="1">
+            <a:schemeClr val="accent1"/>
+          </a:effectRef>
+          <a:fontRef idx="minor">
+            <a:schemeClr val="tx1"/>
+          </a:fontRef>
+        </p:style>
+      </p:cxnSp>
+      <p:cxnSp>
+        <p:nvCxnSpPr>
+          <p:cNvPr id="75" name="直线箭头连接符 19"/>
+          <p:cNvCxnSpPr/>
+          <p:nvPr/>
+        </p:nvCxnSpPr>
+        <p:spPr>
+          <a:xfrm flipV="1">
+            <a:off x="7352726" y="4247480"/>
+            <a:ext cx="0" cy="501448"/>
+          </a:xfrm>
+          <a:prstGeom prst="straightConnector1">
+            <a:avLst/>
+          </a:prstGeom>
+          <a:ln>
+            <a:tailEnd type="arrow"/>
+          </a:ln>
+        </p:spPr>
+        <p:style>
+          <a:lnRef idx="2">
+            <a:schemeClr val="accent1"/>
+          </a:lnRef>
+          <a:fillRef idx="0">
+            <a:schemeClr val="accent1"/>
+          </a:fillRef>
+          <a:effectRef idx="1">
+            <a:schemeClr val="accent1"/>
+          </a:effectRef>
+          <a:fontRef idx="minor">
+            <a:schemeClr val="tx1"/>
+          </a:fontRef>
+        </p:style>
+      </p:cxnSp>
+      <p:cxnSp>
+        <p:nvCxnSpPr>
+          <p:cNvPr id="79" name="直接连接符 78"/>
+          <p:cNvCxnSpPr/>
+          <p:nvPr/>
+        </p:nvCxnSpPr>
+        <p:spPr>
+          <a:xfrm>
+            <a:off x="6515084" y="2614419"/>
+            <a:ext cx="0" cy="761547"/>
+          </a:xfrm>
+          <a:prstGeom prst="line">
+            <a:avLst/>
+          </a:prstGeom>
+          <a:ln w="19050">
+            <a:solidFill>
+              <a:srgbClr val="FF0000"/>
+            </a:solidFill>
+            <a:prstDash val="sysDot"/>
+          </a:ln>
+        </p:spPr>
+        <p:style>
+          <a:lnRef idx="2">
+            <a:schemeClr val="accent1"/>
+          </a:lnRef>
+          <a:fillRef idx="0">
+            <a:schemeClr val="accent1"/>
+          </a:fillRef>
+          <a:effectRef idx="1">
+            <a:schemeClr val="accent1"/>
+          </a:effectRef>
+          <a:fontRef idx="minor">
+            <a:schemeClr val="tx1"/>
+          </a:fontRef>
+        </p:style>
+      </p:cxnSp>
+      <p:cxnSp>
+        <p:nvCxnSpPr>
+          <p:cNvPr id="80" name="直接连接符 79"/>
+          <p:cNvCxnSpPr/>
+          <p:nvPr/>
+        </p:nvCxnSpPr>
+        <p:spPr>
+          <a:xfrm>
+            <a:off x="2207617" y="3928312"/>
+            <a:ext cx="0" cy="2083299"/>
+          </a:xfrm>
+          <a:prstGeom prst="line">
+            <a:avLst/>
+          </a:prstGeom>
+          <a:ln w="19050">
+            <a:solidFill>
+              <a:srgbClr val="FF0000"/>
+            </a:solidFill>
+            <a:prstDash val="sysDot"/>
+          </a:ln>
+        </p:spPr>
+        <p:style>
+          <a:lnRef idx="2">
+            <a:schemeClr val="accent1"/>
+          </a:lnRef>
+          <a:fillRef idx="0">
+            <a:schemeClr val="accent1"/>
+          </a:fillRef>
+          <a:effectRef idx="1">
+            <a:schemeClr val="accent1"/>
+          </a:effectRef>
+          <a:fontRef idx="minor">
+            <a:schemeClr val="tx1"/>
+          </a:fontRef>
+        </p:style>
+      </p:cxnSp>
+      <p:cxnSp>
+        <p:nvCxnSpPr>
+          <p:cNvPr id="82" name="直接连接符 81"/>
+          <p:cNvCxnSpPr/>
+          <p:nvPr/>
+        </p:nvCxnSpPr>
+        <p:spPr>
+          <a:xfrm>
+            <a:off x="3101928" y="3386264"/>
+            <a:ext cx="0" cy="861216"/>
+          </a:xfrm>
+          <a:prstGeom prst="line">
+            <a:avLst/>
+          </a:prstGeom>
+          <a:ln w="19050">
+            <a:solidFill>
+              <a:srgbClr val="FF0000"/>
+            </a:solidFill>
+            <a:prstDash val="sysDot"/>
+          </a:ln>
+        </p:spPr>
+        <p:style>
+          <a:lnRef idx="2">
+            <a:schemeClr val="accent1"/>
+          </a:lnRef>
+          <a:fillRef idx="0">
+            <a:schemeClr val="accent1"/>
+          </a:fillRef>
+          <a:effectRef idx="1">
+            <a:schemeClr val="accent1"/>
+          </a:effectRef>
+          <a:fontRef idx="minor">
+            <a:schemeClr val="tx1"/>
+          </a:fontRef>
+        </p:style>
+      </p:cxnSp>
+      <p:cxnSp>
+        <p:nvCxnSpPr>
+          <p:cNvPr id="84" name="直接连接符 83"/>
+          <p:cNvCxnSpPr/>
+          <p:nvPr/>
+        </p:nvCxnSpPr>
+        <p:spPr>
+          <a:xfrm>
+            <a:off x="3678528" y="3920150"/>
+            <a:ext cx="0" cy="2083299"/>
+          </a:xfrm>
+          <a:prstGeom prst="line">
+            <a:avLst/>
+          </a:prstGeom>
+          <a:ln w="19050">
+            <a:solidFill>
+              <a:srgbClr val="FF0000"/>
+            </a:solidFill>
+            <a:prstDash val="sysDot"/>
+          </a:ln>
+        </p:spPr>
+        <p:style>
+          <a:lnRef idx="2">
+            <a:schemeClr val="accent1"/>
+          </a:lnRef>
+          <a:fillRef idx="0">
+            <a:schemeClr val="accent1"/>
+          </a:fillRef>
+          <a:effectRef idx="1">
+            <a:schemeClr val="accent1"/>
+          </a:effectRef>
+          <a:fontRef idx="minor">
+            <a:schemeClr val="tx1"/>
+          </a:fontRef>
+        </p:style>
+      </p:cxnSp>
+      <p:cxnSp>
+        <p:nvCxnSpPr>
+          <p:cNvPr id="85" name="直接连接符 84"/>
+          <p:cNvCxnSpPr/>
+          <p:nvPr/>
+        </p:nvCxnSpPr>
+        <p:spPr>
+          <a:xfrm>
+            <a:off x="5111795" y="3920150"/>
+            <a:ext cx="0" cy="2083299"/>
+          </a:xfrm>
+          <a:prstGeom prst="line">
+            <a:avLst/>
+          </a:prstGeom>
+          <a:ln w="19050">
+            <a:solidFill>
+              <a:srgbClr val="FF0000"/>
+            </a:solidFill>
+            <a:prstDash val="sysDot"/>
+          </a:ln>
+        </p:spPr>
+        <p:style>
+          <a:lnRef idx="2">
+            <a:schemeClr val="accent1"/>
+          </a:lnRef>
+          <a:fillRef idx="0">
+            <a:schemeClr val="accent1"/>
+          </a:fillRef>
+          <a:effectRef idx="1">
+            <a:schemeClr val="accent1"/>
+          </a:effectRef>
+          <a:fontRef idx="minor">
+            <a:schemeClr val="tx1"/>
+          </a:fontRef>
+        </p:style>
+      </p:cxnSp>
+      <p:cxnSp>
+        <p:nvCxnSpPr>
+          <p:cNvPr id="86" name="直接连接符 85"/>
+          <p:cNvCxnSpPr/>
+          <p:nvPr/>
+        </p:nvCxnSpPr>
+        <p:spPr>
+          <a:xfrm>
+            <a:off x="6514965" y="3920150"/>
+            <a:ext cx="0" cy="2083299"/>
+          </a:xfrm>
+          <a:prstGeom prst="line">
+            <a:avLst/>
+          </a:prstGeom>
+          <a:ln w="19050">
+            <a:solidFill>
+              <a:srgbClr val="FF0000"/>
+            </a:solidFill>
+            <a:prstDash val="sysDot"/>
+          </a:ln>
+        </p:spPr>
+        <p:style>
+          <a:lnRef idx="2">
+            <a:schemeClr val="accent1"/>
+          </a:lnRef>
+          <a:fillRef idx="0">
+            <a:schemeClr val="accent1"/>
+          </a:fillRef>
+          <a:effectRef idx="1">
+            <a:schemeClr val="accent1"/>
+          </a:effectRef>
+          <a:fontRef idx="minor">
+            <a:schemeClr val="tx1"/>
+          </a:fontRef>
+        </p:style>
+      </p:cxnSp>
+      <p:cxnSp>
+        <p:nvCxnSpPr>
+          <p:cNvPr id="88" name="直接箭头连接符 87"/>
+          <p:cNvCxnSpPr/>
+          <p:nvPr/>
+        </p:nvCxnSpPr>
+        <p:spPr>
+          <a:xfrm flipV="1">
+            <a:off x="2381786" y="1812972"/>
+            <a:ext cx="153184" cy="279997"/>
+          </a:xfrm>
+          <a:prstGeom prst="straightConnector1">
+            <a:avLst/>
+          </a:prstGeom>
+          <a:ln w="12700">
+            <a:solidFill>
+              <a:srgbClr val="FF0000"/>
+            </a:solidFill>
+            <a:tailEnd type="triangle"/>
+          </a:ln>
+        </p:spPr>
+        <p:style>
+          <a:lnRef idx="2">
+            <a:schemeClr val="accent1"/>
+          </a:lnRef>
+          <a:fillRef idx="0">
+            <a:schemeClr val="accent1"/>
+          </a:fillRef>
+          <a:effectRef idx="1">
+            <a:schemeClr val="accent1"/>
+          </a:effectRef>
+          <a:fontRef idx="minor">
+            <a:schemeClr val="tx1"/>
+          </a:fontRef>
+        </p:style>
+      </p:cxnSp>
+      <p:cxnSp>
+        <p:nvCxnSpPr>
+          <p:cNvPr id="90" name="直接箭头连接符 89"/>
+          <p:cNvCxnSpPr/>
+          <p:nvPr/>
+        </p:nvCxnSpPr>
+        <p:spPr>
+          <a:xfrm flipV="1">
+            <a:off x="2770371" y="1022573"/>
+            <a:ext cx="153184" cy="279997"/>
+          </a:xfrm>
+          <a:prstGeom prst="straightConnector1">
+            <a:avLst/>
+          </a:prstGeom>
+          <a:ln w="12700">
+            <a:solidFill>
+              <a:srgbClr val="FF0000"/>
+            </a:solidFill>
+            <a:tailEnd type="triangle"/>
+          </a:ln>
+        </p:spPr>
+        <p:style>
+          <a:lnRef idx="2">
+            <a:schemeClr val="accent1"/>
+          </a:lnRef>
+          <a:fillRef idx="0">
+            <a:schemeClr val="accent1"/>
+          </a:fillRef>
+          <a:effectRef idx="1">
+            <a:schemeClr val="accent1"/>
+          </a:effectRef>
+          <a:fontRef idx="minor">
+            <a:schemeClr val="tx1"/>
+          </a:fontRef>
+        </p:style>
+      </p:cxnSp>
+      <p:cxnSp>
+        <p:nvCxnSpPr>
+          <p:cNvPr id="91" name="直接箭头连接符 90"/>
+          <p:cNvCxnSpPr/>
+          <p:nvPr/>
+        </p:nvCxnSpPr>
+        <p:spPr>
+          <a:xfrm flipV="1">
+            <a:off x="3830881" y="1866413"/>
+            <a:ext cx="153184" cy="279997"/>
+          </a:xfrm>
+          <a:prstGeom prst="straightConnector1">
+            <a:avLst/>
+          </a:prstGeom>
+          <a:ln w="12700">
+            <a:solidFill>
+              <a:srgbClr val="FF0000"/>
+            </a:solidFill>
+            <a:tailEnd type="triangle"/>
+          </a:ln>
+        </p:spPr>
+        <p:style>
+          <a:lnRef idx="2">
+            <a:schemeClr val="accent1"/>
+          </a:lnRef>
+          <a:fillRef idx="0">
+            <a:schemeClr val="accent1"/>
+          </a:fillRef>
+          <a:effectRef idx="1">
+            <a:schemeClr val="accent1"/>
+          </a:effectRef>
+          <a:fontRef idx="minor">
+            <a:schemeClr val="tx1"/>
+          </a:fontRef>
+        </p:style>
+      </p:cxnSp>
+      <p:cxnSp>
+        <p:nvCxnSpPr>
+          <p:cNvPr id="92" name="直接箭头连接符 91"/>
+          <p:cNvCxnSpPr/>
+          <p:nvPr/>
+        </p:nvCxnSpPr>
+        <p:spPr>
+          <a:xfrm flipV="1">
+            <a:off x="4226470" y="1075535"/>
+            <a:ext cx="153184" cy="279997"/>
+          </a:xfrm>
+          <a:prstGeom prst="straightConnector1">
+            <a:avLst/>
+          </a:prstGeom>
+          <a:ln w="12700">
+            <a:solidFill>
+              <a:srgbClr val="FF0000"/>
+            </a:solidFill>
+            <a:tailEnd type="triangle"/>
+          </a:ln>
+        </p:spPr>
+        <p:style>
+          <a:lnRef idx="2">
+            <a:schemeClr val="accent1"/>
+          </a:lnRef>
+          <a:fillRef idx="0">
+            <a:schemeClr val="accent1"/>
+          </a:fillRef>
+          <a:effectRef idx="1">
+            <a:schemeClr val="accent1"/>
+          </a:effectRef>
+          <a:fontRef idx="minor">
+            <a:schemeClr val="tx1"/>
+          </a:fontRef>
+        </p:style>
+      </p:cxnSp>
+      <p:cxnSp>
+        <p:nvCxnSpPr>
+          <p:cNvPr id="93" name="直接箭头连接符 92"/>
+          <p:cNvCxnSpPr/>
+          <p:nvPr/>
+        </p:nvCxnSpPr>
+        <p:spPr>
+          <a:xfrm flipV="1">
+            <a:off x="5252642" y="1866413"/>
+            <a:ext cx="153184" cy="279997"/>
+          </a:xfrm>
+          <a:prstGeom prst="straightConnector1">
+            <a:avLst/>
+          </a:prstGeom>
+          <a:ln w="12700">
+            <a:solidFill>
+              <a:srgbClr val="FF0000"/>
+            </a:solidFill>
+            <a:tailEnd type="triangle"/>
+          </a:ln>
+        </p:spPr>
+        <p:style>
+          <a:lnRef idx="2">
+            <a:schemeClr val="accent1"/>
+          </a:lnRef>
+          <a:fillRef idx="0">
+            <a:schemeClr val="accent1"/>
+          </a:fillRef>
+          <a:effectRef idx="1">
+            <a:schemeClr val="accent1"/>
+          </a:effectRef>
+          <a:fontRef idx="minor">
+            <a:schemeClr val="tx1"/>
+          </a:fontRef>
+        </p:style>
+      </p:cxnSp>
+      <p:cxnSp>
+        <p:nvCxnSpPr>
+          <p:cNvPr id="94" name="直接箭头连接符 93"/>
+          <p:cNvCxnSpPr/>
+          <p:nvPr/>
+        </p:nvCxnSpPr>
+        <p:spPr>
+          <a:xfrm flipV="1">
+            <a:off x="5646792" y="972210"/>
+            <a:ext cx="153184" cy="279997"/>
+          </a:xfrm>
+          <a:prstGeom prst="straightConnector1">
+            <a:avLst/>
+          </a:prstGeom>
+          <a:ln w="12700">
+            <a:solidFill>
+              <a:srgbClr val="FF0000"/>
+            </a:solidFill>
+            <a:tailEnd type="triangle"/>
+          </a:ln>
+        </p:spPr>
+        <p:style>
+          <a:lnRef idx="2">
+            <a:schemeClr val="accent1"/>
+          </a:lnRef>
+          <a:fillRef idx="0">
+            <a:schemeClr val="accent1"/>
+          </a:fillRef>
+          <a:effectRef idx="1">
+            <a:schemeClr val="accent1"/>
+          </a:effectRef>
+          <a:fontRef idx="minor">
+            <a:schemeClr val="tx1"/>
+          </a:fontRef>
+        </p:style>
+      </p:cxnSp>
+      <p:cxnSp>
+        <p:nvCxnSpPr>
+          <p:cNvPr id="95" name="直接箭头连接符 94"/>
+          <p:cNvCxnSpPr/>
+          <p:nvPr/>
+        </p:nvCxnSpPr>
+        <p:spPr>
+          <a:xfrm flipV="1">
+            <a:off x="6655859" y="1791613"/>
+            <a:ext cx="153184" cy="279997"/>
+          </a:xfrm>
+          <a:prstGeom prst="straightConnector1">
+            <a:avLst/>
+          </a:prstGeom>
+          <a:ln w="12700">
+            <a:solidFill>
+              <a:srgbClr val="FF0000"/>
+            </a:solidFill>
+            <a:tailEnd type="triangle"/>
+          </a:ln>
+        </p:spPr>
+        <p:style>
+          <a:lnRef idx="2">
+            <a:schemeClr val="accent1"/>
+          </a:lnRef>
+          <a:fillRef idx="0">
+            <a:schemeClr val="accent1"/>
+          </a:fillRef>
+          <a:effectRef idx="1">
+            <a:schemeClr val="accent1"/>
+          </a:effectRef>
+          <a:fontRef idx="minor">
+            <a:schemeClr val="tx1"/>
+          </a:fontRef>
+        </p:style>
+      </p:cxnSp>
+      <p:cxnSp>
+        <p:nvCxnSpPr>
+          <p:cNvPr id="96" name="直接箭头连接符 95"/>
+          <p:cNvCxnSpPr/>
+          <p:nvPr/>
+        </p:nvCxnSpPr>
+        <p:spPr>
+          <a:xfrm flipV="1">
+            <a:off x="7025742" y="979345"/>
+            <a:ext cx="153184" cy="279997"/>
+          </a:xfrm>
+          <a:prstGeom prst="straightConnector1">
+            <a:avLst/>
+          </a:prstGeom>
+          <a:ln w="12700">
+            <a:solidFill>
+              <a:srgbClr val="FF0000"/>
+            </a:solidFill>
+            <a:tailEnd type="triangle"/>
+          </a:ln>
+        </p:spPr>
+        <p:style>
+          <a:lnRef idx="2">
+            <a:schemeClr val="accent1"/>
+          </a:lnRef>
+          <a:fillRef idx="0">
+            <a:schemeClr val="accent1"/>
+          </a:fillRef>
+          <a:effectRef idx="1">
+            <a:schemeClr val="accent1"/>
+          </a:effectRef>
+          <a:fontRef idx="minor">
+            <a:schemeClr val="tx1"/>
+          </a:fontRef>
+        </p:style>
+      </p:cxnSp>
+      <p:cxnSp>
+        <p:nvCxnSpPr>
+          <p:cNvPr id="97" name="直接箭头连接符 96"/>
+          <p:cNvCxnSpPr/>
+          <p:nvPr/>
+        </p:nvCxnSpPr>
+        <p:spPr>
+          <a:xfrm>
+            <a:off x="7377925" y="4870327"/>
+            <a:ext cx="128414" cy="199267"/>
+          </a:xfrm>
+          <a:prstGeom prst="straightConnector1">
+            <a:avLst/>
+          </a:prstGeom>
+          <a:ln w="12700">
+            <a:solidFill>
+              <a:srgbClr val="FF0000"/>
+            </a:solidFill>
+            <a:tailEnd type="triangle"/>
+          </a:ln>
+        </p:spPr>
+        <p:style>
+          <a:lnRef idx="2">
+            <a:schemeClr val="accent1"/>
+          </a:lnRef>
+          <a:fillRef idx="0">
+            <a:schemeClr val="accent1"/>
+          </a:fillRef>
+          <a:effectRef idx="1">
+            <a:schemeClr val="accent1"/>
+          </a:effectRef>
+          <a:fontRef idx="minor">
+            <a:schemeClr val="tx1"/>
+          </a:fontRef>
+        </p:style>
+      </p:cxnSp>
+      <p:cxnSp>
+        <p:nvCxnSpPr>
+          <p:cNvPr id="101" name="直接箭头连接符 100"/>
+          <p:cNvCxnSpPr/>
+          <p:nvPr/>
+        </p:nvCxnSpPr>
+        <p:spPr>
+          <a:xfrm>
+            <a:off x="4529142" y="4868097"/>
+            <a:ext cx="128414" cy="199267"/>
+          </a:xfrm>
+          <a:prstGeom prst="straightConnector1">
+            <a:avLst/>
+          </a:prstGeom>
+          <a:ln w="12700">
+            <a:solidFill>
+              <a:srgbClr val="FF0000"/>
+            </a:solidFill>
+            <a:tailEnd type="triangle"/>
+          </a:ln>
+        </p:spPr>
+        <p:style>
+          <a:lnRef idx="2">
+            <a:schemeClr val="accent1"/>
+          </a:lnRef>
+          <a:fillRef idx="0">
+            <a:schemeClr val="accent1"/>
+          </a:fillRef>
+          <a:effectRef idx="1">
+            <a:schemeClr val="accent1"/>
+          </a:effectRef>
+          <a:fontRef idx="minor">
+            <a:schemeClr val="tx1"/>
+          </a:fontRef>
+        </p:style>
+      </p:cxnSp>
+      <p:cxnSp>
+        <p:nvCxnSpPr>
+          <p:cNvPr id="103" name="直接箭头连接符 102"/>
+          <p:cNvCxnSpPr/>
+          <p:nvPr/>
+        </p:nvCxnSpPr>
+        <p:spPr>
+          <a:xfrm>
+            <a:off x="5974756" y="4911729"/>
+            <a:ext cx="128414" cy="199267"/>
+          </a:xfrm>
+          <a:prstGeom prst="straightConnector1">
+            <a:avLst/>
+          </a:prstGeom>
+          <a:ln w="12700">
+            <a:solidFill>
+              <a:srgbClr val="FF0000"/>
+            </a:solidFill>
+            <a:tailEnd type="triangle"/>
+          </a:ln>
+        </p:spPr>
+        <p:style>
+          <a:lnRef idx="2">
+            <a:schemeClr val="accent1"/>
+          </a:lnRef>
+          <a:fillRef idx="0">
+            <a:schemeClr val="accent1"/>
+          </a:fillRef>
+          <a:effectRef idx="1">
+            <a:schemeClr val="accent1"/>
+          </a:effectRef>
+          <a:fontRef idx="minor">
+            <a:schemeClr val="tx1"/>
+          </a:fontRef>
+        </p:style>
+      </p:cxnSp>
+      <p:cxnSp>
+        <p:nvCxnSpPr>
+          <p:cNvPr id="105" name="直接箭头连接符 104"/>
+          <p:cNvCxnSpPr/>
+          <p:nvPr/>
+        </p:nvCxnSpPr>
+        <p:spPr>
+          <a:xfrm>
+            <a:off x="3123616" y="4911728"/>
+            <a:ext cx="128414" cy="199267"/>
+          </a:xfrm>
+          <a:prstGeom prst="straightConnector1">
+            <a:avLst/>
+          </a:prstGeom>
+          <a:ln w="12700">
+            <a:solidFill>
+              <a:srgbClr val="FF0000"/>
+            </a:solidFill>
+            <a:tailEnd type="triangle"/>
+          </a:ln>
+        </p:spPr>
+        <p:style>
+          <a:lnRef idx="2">
+            <a:schemeClr val="accent1"/>
+          </a:lnRef>
+          <a:fillRef idx="0">
+            <a:schemeClr val="accent1"/>
+          </a:fillRef>
+          <a:effectRef idx="1">
+            <a:schemeClr val="accent1"/>
+          </a:effectRef>
+          <a:fontRef idx="minor">
+            <a:schemeClr val="tx1"/>
+          </a:fontRef>
+        </p:style>
+      </p:cxnSp>
+      <p:sp>
+        <p:nvSpPr>
+          <p:cNvPr id="107" name="文本框 106"/>
+          <p:cNvSpPr txBox="1"/>
+          <p:nvPr/>
+        </p:nvSpPr>
+        <p:spPr>
+          <a:xfrm>
+            <a:off x="2180898" y="2209018"/>
+            <a:ext cx="554960" cy="369332"/>
+          </a:xfrm>
+          <a:prstGeom prst="rect">
+            <a:avLst/>
+          </a:prstGeom>
+          <a:noFill/>
+        </p:spPr>
+        <p:txBody>
+          <a:bodyPr wrap="none" rtlCol="0">
+            <a:spAutoFit/>
+          </a:bodyPr>
+          <a:lstStyle/>
+          <a:p>
+            <a:r>
+              <a:rPr lang="en-US" dirty="0" smtClean="0">
+                <a:solidFill>
+                  <a:srgbClr val="FF0000"/>
+                </a:solidFill>
+              </a:rPr>
+              <a:t>PVC</a:t>
+            </a:r>
+            <a:endParaRPr lang="en-US" dirty="0">
+              <a:solidFill>
+                <a:srgbClr val="FF0000"/>
+              </a:solidFill>
+            </a:endParaRPr>
+          </a:p>
+        </p:txBody>
+      </p:sp>
+      <p:sp>
+        <p:nvSpPr>
+          <p:cNvPr id="108" name="圆角矩形 107"/>
+          <p:cNvSpPr/>
+          <p:nvPr/>
+        </p:nvSpPr>
+        <p:spPr>
+          <a:xfrm>
+            <a:off x="394587" y="3139823"/>
+            <a:ext cx="1264968" cy="492882"/>
+          </a:xfrm>
+          <a:prstGeom prst="roundRect">
+            <a:avLst/>
+          </a:prstGeom>
+          <a:solidFill>
+            <a:schemeClr val="tx1"/>
+          </a:solidFill>
+        </p:spPr>
+        <p:style>
+          <a:lnRef idx="1">
+            <a:schemeClr val="accent1"/>
+          </a:lnRef>
+          <a:fillRef idx="3">
+            <a:schemeClr val="accent1"/>
+          </a:fillRef>
+          <a:effectRef idx="2">
+            <a:schemeClr val="accent1"/>
+          </a:effectRef>
+          <a:fontRef idx="minor">
+            <a:schemeClr val="lt1"/>
+          </a:fontRef>
+        </p:style>
+        <p:txBody>
+          <a:bodyPr rtlCol="0" anchor="ctr"/>
+          <a:lstStyle/>
+          <a:p>
+            <a:pPr algn="ctr"/>
+            <a:r>
+              <a:rPr lang="en-US" dirty="0" smtClean="0"/>
+              <a:t>Pacemaker</a:t>
+            </a:r>
+          </a:p>
+          <a:p>
+            <a:pPr algn="ctr"/>
+            <a:r>
+              <a:rPr lang="en-US" dirty="0" smtClean="0"/>
+              <a:t>Markers</a:t>
+            </a:r>
+            <a:endParaRPr lang="en-US" dirty="0"/>
+          </a:p>
+        </p:txBody>
+      </p:sp>
+      <p:cxnSp>
+        <p:nvCxnSpPr>
+          <p:cNvPr id="109" name="直接连接符 108"/>
+          <p:cNvCxnSpPr/>
+          <p:nvPr/>
+        </p:nvCxnSpPr>
+        <p:spPr>
+          <a:xfrm>
+            <a:off x="4569490" y="3386264"/>
+            <a:ext cx="0" cy="861216"/>
+          </a:xfrm>
+          <a:prstGeom prst="line">
+            <a:avLst/>
+          </a:prstGeom>
+          <a:ln w="19050">
+            <a:solidFill>
+              <a:srgbClr val="FF0000"/>
+            </a:solidFill>
+            <a:prstDash val="sysDot"/>
+          </a:ln>
+        </p:spPr>
+        <p:style>
+          <a:lnRef idx="2">
+            <a:schemeClr val="accent1"/>
+          </a:lnRef>
+          <a:fillRef idx="0">
+            <a:schemeClr val="accent1"/>
+          </a:fillRef>
+          <a:effectRef idx="1">
+            <a:schemeClr val="accent1"/>
+          </a:effectRef>
+          <a:fontRef idx="minor">
+            <a:schemeClr val="tx1"/>
+          </a:fontRef>
+        </p:style>
+      </p:cxnSp>
+      <p:cxnSp>
+        <p:nvCxnSpPr>
+          <p:cNvPr id="110" name="直接连接符 109"/>
+          <p:cNvCxnSpPr/>
+          <p:nvPr/>
+        </p:nvCxnSpPr>
+        <p:spPr>
+          <a:xfrm>
+            <a:off x="5976597" y="3386264"/>
+            <a:ext cx="0" cy="861216"/>
+          </a:xfrm>
+          <a:prstGeom prst="line">
+            <a:avLst/>
+          </a:prstGeom>
+          <a:ln w="19050">
+            <a:solidFill>
+              <a:srgbClr val="FF0000"/>
+            </a:solidFill>
+            <a:prstDash val="sysDot"/>
+          </a:ln>
+        </p:spPr>
+        <p:style>
+          <a:lnRef idx="2">
+            <a:schemeClr val="accent1"/>
+          </a:lnRef>
+          <a:fillRef idx="0">
+            <a:schemeClr val="accent1"/>
+          </a:fillRef>
+          <a:effectRef idx="1">
+            <a:schemeClr val="accent1"/>
+          </a:effectRef>
+          <a:fontRef idx="minor">
+            <a:schemeClr val="tx1"/>
+          </a:fontRef>
+        </p:style>
+      </p:cxnSp>
+      <p:cxnSp>
+        <p:nvCxnSpPr>
+          <p:cNvPr id="111" name="直接连接符 110"/>
+          <p:cNvCxnSpPr/>
+          <p:nvPr/>
+        </p:nvCxnSpPr>
+        <p:spPr>
+          <a:xfrm>
+            <a:off x="7365914" y="3399172"/>
+            <a:ext cx="0" cy="861216"/>
+          </a:xfrm>
+          <a:prstGeom prst="line">
+            <a:avLst/>
+          </a:prstGeom>
+          <a:ln w="19050">
+            <a:solidFill>
+              <a:srgbClr val="FF0000"/>
+            </a:solidFill>
+            <a:prstDash val="sysDot"/>
+          </a:ln>
+        </p:spPr>
+        <p:style>
+          <a:lnRef idx="2">
+            <a:schemeClr val="accent1"/>
+          </a:lnRef>
+          <a:fillRef idx="0">
+            <a:schemeClr val="accent1"/>
+          </a:fillRef>
+          <a:effectRef idx="1">
+            <a:schemeClr val="accent1"/>
+          </a:effectRef>
+          <a:fontRef idx="minor">
+            <a:schemeClr val="tx1"/>
+          </a:fontRef>
+        </p:style>
+      </p:cxnSp>
+      <p:cxnSp>
+        <p:nvCxnSpPr>
+          <p:cNvPr id="112" name="直接连接符 111"/>
+          <p:cNvCxnSpPr/>
+          <p:nvPr/>
+        </p:nvCxnSpPr>
+        <p:spPr>
+          <a:xfrm>
+            <a:off x="5947452" y="844348"/>
+            <a:ext cx="27723" cy="2013953"/>
+          </a:xfrm>
+          <a:prstGeom prst="line">
+            <a:avLst/>
+          </a:prstGeom>
+          <a:ln w="19050">
+            <a:solidFill>
+              <a:srgbClr val="FF0000"/>
+            </a:solidFill>
+            <a:prstDash val="sysDot"/>
+          </a:ln>
+        </p:spPr>
+        <p:style>
+          <a:lnRef idx="2">
+            <a:schemeClr val="accent1"/>
+          </a:lnRef>
+          <a:fillRef idx="0">
+            <a:schemeClr val="accent1"/>
+          </a:fillRef>
+          <a:effectRef idx="1">
+            <a:schemeClr val="accent1"/>
+          </a:effectRef>
+          <a:fontRef idx="minor">
+            <a:schemeClr val="tx1"/>
+          </a:fontRef>
+        </p:style>
+      </p:cxnSp>
+      <p:cxnSp>
+        <p:nvCxnSpPr>
+          <p:cNvPr id="113" name="直接连接符 112"/>
+          <p:cNvCxnSpPr/>
+          <p:nvPr/>
+        </p:nvCxnSpPr>
+        <p:spPr>
+          <a:xfrm>
+            <a:off x="7351369" y="894351"/>
+            <a:ext cx="27723" cy="2013953"/>
+          </a:xfrm>
+          <a:prstGeom prst="line">
+            <a:avLst/>
+          </a:prstGeom>
+          <a:ln w="19050">
+            <a:solidFill>
+              <a:srgbClr val="FF0000"/>
+            </a:solidFill>
+            <a:prstDash val="sysDot"/>
+          </a:ln>
+        </p:spPr>
+        <p:style>
+          <a:lnRef idx="2">
+            <a:schemeClr val="accent1"/>
+          </a:lnRef>
+          <a:fillRef idx="0">
+            <a:schemeClr val="accent1"/>
+          </a:fillRef>
+          <a:effectRef idx="1">
+            <a:schemeClr val="accent1"/>
+          </a:effectRef>
+          <a:fontRef idx="minor">
+            <a:schemeClr val="tx1"/>
+          </a:fontRef>
+        </p:style>
+      </p:cxnSp>
+      <p:sp>
+        <p:nvSpPr>
+          <p:cNvPr id="114" name="文本框 113"/>
+          <p:cNvSpPr txBox="1"/>
+          <p:nvPr/>
+        </p:nvSpPr>
+        <p:spPr>
+          <a:xfrm>
+            <a:off x="619424" y="655199"/>
+            <a:ext cx="421847" cy="369332"/>
+          </a:xfrm>
+          <a:prstGeom prst="rect">
+            <a:avLst/>
+          </a:prstGeom>
+          <a:noFill/>
+        </p:spPr>
+        <p:txBody>
+          <a:bodyPr wrap="none" rtlCol="0">
+            <a:spAutoFit/>
+          </a:bodyPr>
+          <a:lstStyle/>
+          <a:p>
+            <a:r>
+              <a:rPr lang="en-US" dirty="0" smtClean="0"/>
+              <a:t>SA</a:t>
+            </a:r>
+            <a:endParaRPr lang="en-US" dirty="0"/>
+          </a:p>
+        </p:txBody>
+      </p:sp>
+      <p:sp>
+        <p:nvSpPr>
+          <p:cNvPr id="115" name="文本框 114"/>
+          <p:cNvSpPr txBox="1"/>
+          <p:nvPr/>
+        </p:nvSpPr>
+        <p:spPr>
+          <a:xfrm>
+            <a:off x="924899" y="1465504"/>
+            <a:ext cx="439159" cy="369332"/>
+          </a:xfrm>
+          <a:prstGeom prst="rect">
+            <a:avLst/>
+          </a:prstGeom>
+          <a:noFill/>
+        </p:spPr>
+        <p:txBody>
+          <a:bodyPr wrap="none" rtlCol="0">
+            <a:spAutoFit/>
+          </a:bodyPr>
+          <a:lstStyle/>
+          <a:p>
+            <a:r>
+              <a:rPr lang="en-US" dirty="0" smtClean="0"/>
+              <a:t>AV</a:t>
+            </a:r>
+            <a:endParaRPr lang="en-US" dirty="0"/>
+          </a:p>
+        </p:txBody>
+      </p:sp>
+      <p:sp>
+        <p:nvSpPr>
+          <p:cNvPr id="116" name="文本框 115"/>
+          <p:cNvSpPr txBox="1"/>
+          <p:nvPr/>
+        </p:nvSpPr>
+        <p:spPr>
+          <a:xfrm>
+            <a:off x="1358924" y="2439488"/>
+            <a:ext cx="316112" cy="369332"/>
+          </a:xfrm>
+          <a:prstGeom prst="rect">
+            <a:avLst/>
+          </a:prstGeom>
+          <a:noFill/>
+        </p:spPr>
+        <p:txBody>
+          <a:bodyPr wrap="none" rtlCol="0">
+            <a:spAutoFit/>
+          </a:bodyPr>
+          <a:lstStyle/>
+          <a:p>
+            <a:r>
+              <a:rPr lang="en-US" dirty="0" smtClean="0"/>
+              <a:t>V</a:t>
+            </a:r>
+            <a:endParaRPr lang="en-US" dirty="0"/>
+          </a:p>
+        </p:txBody>
+      </p:sp>
+      <p:sp>
+        <p:nvSpPr>
+          <p:cNvPr id="117" name="文本框 116"/>
+          <p:cNvSpPr txBox="1"/>
+          <p:nvPr/>
+        </p:nvSpPr>
+        <p:spPr>
+          <a:xfrm>
+            <a:off x="617830" y="4573841"/>
+            <a:ext cx="421847" cy="369332"/>
+          </a:xfrm>
+          <a:prstGeom prst="rect">
+            <a:avLst/>
+          </a:prstGeom>
+          <a:noFill/>
+        </p:spPr>
+        <p:txBody>
+          <a:bodyPr wrap="none" rtlCol="0">
+            <a:spAutoFit/>
+          </a:bodyPr>
+          <a:lstStyle/>
+          <a:p>
+            <a:r>
+              <a:rPr lang="en-US" dirty="0" smtClean="0"/>
+              <a:t>SA</a:t>
+            </a:r>
+            <a:endParaRPr lang="en-US" dirty="0"/>
+          </a:p>
+        </p:txBody>
+      </p:sp>
+      <p:sp>
+        <p:nvSpPr>
+          <p:cNvPr id="118" name="文本框 117"/>
+          <p:cNvSpPr txBox="1"/>
+          <p:nvPr/>
+        </p:nvSpPr>
+        <p:spPr>
+          <a:xfrm>
+            <a:off x="923305" y="5384146"/>
+            <a:ext cx="439159" cy="369332"/>
+          </a:xfrm>
+          <a:prstGeom prst="rect">
+            <a:avLst/>
+          </a:prstGeom>
+          <a:noFill/>
+        </p:spPr>
+        <p:txBody>
+          <a:bodyPr wrap="none" rtlCol="0">
+            <a:spAutoFit/>
+          </a:bodyPr>
+          <a:lstStyle/>
+          <a:p>
+            <a:r>
+              <a:rPr lang="en-US" dirty="0" smtClean="0"/>
+              <a:t>AV</a:t>
+            </a:r>
+            <a:endParaRPr lang="en-US" dirty="0"/>
+          </a:p>
+        </p:txBody>
+      </p:sp>
+      <p:sp>
+        <p:nvSpPr>
+          <p:cNvPr id="119" name="文本框 118"/>
+          <p:cNvSpPr txBox="1"/>
+          <p:nvPr/>
+        </p:nvSpPr>
+        <p:spPr>
+          <a:xfrm>
+            <a:off x="1357330" y="6358130"/>
+            <a:ext cx="316112" cy="369332"/>
+          </a:xfrm>
+          <a:prstGeom prst="rect">
+            <a:avLst/>
+          </a:prstGeom>
+          <a:noFill/>
+        </p:spPr>
+        <p:txBody>
+          <a:bodyPr wrap="none" rtlCol="0">
+            <a:spAutoFit/>
+          </a:bodyPr>
+          <a:lstStyle/>
+          <a:p>
+            <a:r>
+              <a:rPr lang="en-US" dirty="0" smtClean="0"/>
+              <a:t>V</a:t>
+            </a:r>
+            <a:endParaRPr lang="en-US" dirty="0"/>
+          </a:p>
+        </p:txBody>
+      </p:sp>
     </p:spTree>
     <p:extLst>
       <p:ext uri="{BB962C8B-B14F-4D97-AF65-F5344CB8AC3E}">
